--- a/03. Computer Networks/PPTs/6.2. UDP.pptx
+++ b/03. Computer Networks/PPTs/6.2. UDP.pptx
@@ -9,20 +9,19 @@
     <p:sldId id="257" r:id="rId3"/>
     <p:sldId id="258" r:id="rId4"/>
     <p:sldId id="259" r:id="rId5"/>
-    <p:sldId id="260" r:id="rId6"/>
-    <p:sldId id="261" r:id="rId7"/>
-    <p:sldId id="262" r:id="rId8"/>
-    <p:sldId id="263" r:id="rId9"/>
-    <p:sldId id="264" r:id="rId10"/>
-    <p:sldId id="265" r:id="rId11"/>
-    <p:sldId id="267" r:id="rId12"/>
-    <p:sldId id="268" r:id="rId13"/>
-    <p:sldId id="266" r:id="rId14"/>
-    <p:sldId id="269" r:id="rId15"/>
-    <p:sldId id="270" r:id="rId16"/>
-    <p:sldId id="271" r:id="rId17"/>
-    <p:sldId id="272" r:id="rId18"/>
-    <p:sldId id="273" r:id="rId19"/>
+    <p:sldId id="261" r:id="rId6"/>
+    <p:sldId id="262" r:id="rId7"/>
+    <p:sldId id="263" r:id="rId8"/>
+    <p:sldId id="264" r:id="rId9"/>
+    <p:sldId id="265" r:id="rId10"/>
+    <p:sldId id="267" r:id="rId11"/>
+    <p:sldId id="268" r:id="rId12"/>
+    <p:sldId id="266" r:id="rId13"/>
+    <p:sldId id="269" r:id="rId14"/>
+    <p:sldId id="270" r:id="rId15"/>
+    <p:sldId id="271" r:id="rId16"/>
+    <p:sldId id="272" r:id="rId17"/>
+    <p:sldId id="273" r:id="rId18"/>
   </p:sldIdLst>
   <p:sldSz cx="9144000" cy="6858000" type="screen4x3"/>
   <p:notesSz cx="6858000" cy="9144000"/>
@@ -121,6 +120,22 @@
       </a:defRPr>
     </a:lvl9pPr>
   </p:defaultTextStyle>
+  <p:extLst>
+    <p:ext uri="{EFAFB233-063F-42B5-8137-9DF3F51BA10A}">
+      <p15:sldGuideLst xmlns:p15="http://schemas.microsoft.com/office/powerpoint/2012/main">
+        <p15:guide id="1" orient="horz" pos="2160">
+          <p15:clr>
+            <a:srgbClr val="A4A3A4"/>
+          </p15:clr>
+        </p15:guide>
+        <p15:guide id="2" pos="2880">
+          <p15:clr>
+            <a:srgbClr val="A4A3A4"/>
+          </p15:clr>
+        </p15:guide>
+      </p15:sldGuideLst>
+    </p:ext>
+  </p:extLst>
 </p:presentation>
 </file>
 
@@ -171,7 +186,7 @@
           </a:lstStyle>
           <a:p>
             <a:r>
-              <a:rPr lang="en-US" smtClean="0"/>
+              <a:rPr lang="en-US"/>
               <a:t>Click to edit Master title style</a:t>
             </a:r>
             <a:endParaRPr lang="en-US" dirty="0"/>
@@ -292,7 +307,7 @@
           </a:lstStyle>
           <a:p>
             <a:r>
-              <a:rPr lang="en-US" smtClean="0"/>
+              <a:rPr lang="en-US"/>
               <a:t>Click to edit Master subtitle style</a:t>
             </a:r>
             <a:endParaRPr lang="en-US" dirty="0"/>
@@ -316,7 +331,7 @@
           <a:p>
             <a:fld id="{216C5678-EE20-4FA5-88E2-6E0BD67A2E26}" type="datetime1">
               <a:rPr lang="en-US" smtClean="0"/>
-              <a:t>2/25/2020</a:t>
+              <a:t>3/3/2020</a:t>
             </a:fld>
             <a:endParaRPr lang="en-US" dirty="0"/>
           </a:p>
@@ -362,10 +377,9 @@
           <a:lstStyle/>
           <a:p>
             <a:r>
-              <a:rPr lang="en-US" smtClean="0"/>
+              <a:rPr lang="en-US" dirty="0"/>
               <a:t>Footer Text</a:t>
             </a:r>
-            <a:endParaRPr lang="en-US" dirty="0"/>
           </a:p>
         </p:txBody>
       </p:sp>
@@ -410,7 +424,7 @@
           <a:lstStyle/>
           <a:p>
             <a:r>
-              <a:rPr lang="en-US" smtClean="0"/>
+              <a:rPr lang="en-US"/>
               <a:t>Click to edit Master title style</a:t>
             </a:r>
             <a:endParaRPr lang="en-US" dirty="0"/>
@@ -434,38 +448,37 @@
           <a:p>
             <a:pPr lvl="0"/>
             <a:r>
-              <a:rPr lang="en-US" smtClean="0"/>
+              <a:rPr lang="en-US"/>
               <a:t>Click to edit Master text styles</a:t>
             </a:r>
           </a:p>
           <a:p>
             <a:pPr lvl="1"/>
             <a:r>
-              <a:rPr lang="en-US" smtClean="0"/>
+              <a:rPr lang="en-US"/>
               <a:t>Second level</a:t>
             </a:r>
           </a:p>
           <a:p>
             <a:pPr lvl="2"/>
             <a:r>
-              <a:rPr lang="en-US" smtClean="0"/>
+              <a:rPr lang="en-US"/>
               <a:t>Third level</a:t>
             </a:r>
           </a:p>
           <a:p>
             <a:pPr lvl="3"/>
             <a:r>
-              <a:rPr lang="en-US" smtClean="0"/>
+              <a:rPr lang="en-US"/>
               <a:t>Fourth level</a:t>
             </a:r>
           </a:p>
           <a:p>
             <a:pPr lvl="4"/>
             <a:r>
-              <a:rPr lang="en-US" smtClean="0"/>
+              <a:rPr lang="en-US"/>
               <a:t>Fifth level</a:t>
             </a:r>
-            <a:endParaRPr lang="en-US"/>
           </a:p>
         </p:txBody>
       </p:sp>
@@ -486,7 +499,7 @@
           <a:p>
             <a:fld id="{EA051B39-B140-43FE-96DB-472A2B59CE7C}" type="datetime1">
               <a:rPr lang="en-US" smtClean="0"/>
-              <a:t>2/25/2020</a:t>
+              <a:t>3/3/2020</a:t>
             </a:fld>
             <a:endParaRPr lang="en-US"/>
           </a:p>
@@ -508,10 +521,9 @@
           <a:lstStyle/>
           <a:p>
             <a:r>
-              <a:rPr lang="en-US" smtClean="0"/>
+              <a:rPr lang="en-US"/>
               <a:t>Footer Text</a:t>
             </a:r>
-            <a:endParaRPr lang="en-US"/>
           </a:p>
         </p:txBody>
       </p:sp>
@@ -585,10 +597,9 @@
           <a:lstStyle/>
           <a:p>
             <a:r>
-              <a:rPr lang="en-US" smtClean="0"/>
+              <a:rPr lang="en-US" dirty="0"/>
               <a:t>Click to edit Master title style</a:t>
             </a:r>
-            <a:endParaRPr lang="en-US" dirty="0"/>
           </a:p>
         </p:txBody>
       </p:sp>
@@ -614,38 +625,37 @@
           <a:p>
             <a:pPr lvl="0"/>
             <a:r>
-              <a:rPr lang="en-US" smtClean="0"/>
+              <a:rPr lang="en-US"/>
               <a:t>Click to edit Master text styles</a:t>
             </a:r>
           </a:p>
           <a:p>
             <a:pPr lvl="1"/>
             <a:r>
-              <a:rPr lang="en-US" smtClean="0"/>
+              <a:rPr lang="en-US"/>
               <a:t>Second level</a:t>
             </a:r>
           </a:p>
           <a:p>
             <a:pPr lvl="2"/>
             <a:r>
-              <a:rPr lang="en-US" smtClean="0"/>
+              <a:rPr lang="en-US"/>
               <a:t>Third level</a:t>
             </a:r>
           </a:p>
           <a:p>
             <a:pPr lvl="3"/>
             <a:r>
-              <a:rPr lang="en-US" smtClean="0"/>
+              <a:rPr lang="en-US"/>
               <a:t>Fourth level</a:t>
             </a:r>
           </a:p>
           <a:p>
             <a:pPr lvl="4"/>
             <a:r>
-              <a:rPr lang="en-US" smtClean="0"/>
+              <a:rPr lang="en-US"/>
               <a:t>Fifth level</a:t>
             </a:r>
-            <a:endParaRPr lang="en-US"/>
           </a:p>
         </p:txBody>
       </p:sp>
@@ -666,7 +676,7 @@
           <a:p>
             <a:fld id="{DA600BB2-27C5-458B-ABCE-839C88CF47CE}" type="datetime1">
               <a:rPr lang="en-US" smtClean="0"/>
-              <a:t>2/25/2020</a:t>
+              <a:t>3/3/2020</a:t>
             </a:fld>
             <a:endParaRPr lang="en-US"/>
           </a:p>
@@ -688,10 +698,9 @@
           <a:lstStyle/>
           <a:p>
             <a:r>
-              <a:rPr lang="en-US" smtClean="0"/>
+              <a:rPr lang="en-US"/>
               <a:t>Footer Text</a:t>
             </a:r>
-            <a:endParaRPr lang="en-US"/>
           </a:p>
         </p:txBody>
       </p:sp>
@@ -760,7 +769,7 @@
           <a:lstStyle/>
           <a:p>
             <a:r>
-              <a:rPr lang="en-US" smtClean="0"/>
+              <a:rPr lang="en-US"/>
               <a:t>Click to edit Master title style</a:t>
             </a:r>
             <a:endParaRPr lang="en-US" dirty="0"/>
@@ -781,8 +790,35 @@
         <p:txBody>
           <a:bodyPr/>
           <a:lstStyle>
+            <a:lvl1pPr>
+              <a:defRPr>
+                <a:latin typeface="EB Garamond" panose="00000500000000000000" pitchFamily="2" charset="0"/>
+                <a:ea typeface="EB Garamond" panose="00000500000000000000" pitchFamily="2" charset="0"/>
+              </a:defRPr>
+            </a:lvl1pPr>
+            <a:lvl2pPr>
+              <a:defRPr>
+                <a:latin typeface="EB Garamond" panose="00000500000000000000" pitchFamily="2" charset="0"/>
+                <a:ea typeface="EB Garamond" panose="00000500000000000000" pitchFamily="2" charset="0"/>
+              </a:defRPr>
+            </a:lvl2pPr>
+            <a:lvl3pPr>
+              <a:defRPr>
+                <a:latin typeface="EB Garamond" panose="00000500000000000000" pitchFamily="2" charset="0"/>
+                <a:ea typeface="EB Garamond" panose="00000500000000000000" pitchFamily="2" charset="0"/>
+              </a:defRPr>
+            </a:lvl3pPr>
+            <a:lvl4pPr>
+              <a:defRPr>
+                <a:latin typeface="EB Garamond" panose="00000500000000000000" pitchFamily="2" charset="0"/>
+                <a:ea typeface="EB Garamond" panose="00000500000000000000" pitchFamily="2" charset="0"/>
+              </a:defRPr>
+            </a:lvl4pPr>
             <a:lvl5pPr>
-              <a:defRPr/>
+              <a:defRPr>
+                <a:latin typeface="EB Garamond" panose="00000500000000000000" pitchFamily="2" charset="0"/>
+                <a:ea typeface="EB Garamond" panose="00000500000000000000" pitchFamily="2" charset="0"/>
+              </a:defRPr>
             </a:lvl5pPr>
             <a:lvl6pPr>
               <a:defRPr/>
@@ -802,38 +838,37 @@
           <a:p>
             <a:pPr lvl="0"/>
             <a:r>
-              <a:rPr lang="en-US" smtClean="0"/>
+              <a:rPr lang="en-US" dirty="0"/>
               <a:t>Click to edit Master text styles</a:t>
             </a:r>
           </a:p>
           <a:p>
             <a:pPr lvl="1"/>
             <a:r>
-              <a:rPr lang="en-US" smtClean="0"/>
+              <a:rPr lang="en-US" dirty="0"/>
               <a:t>Second level</a:t>
             </a:r>
           </a:p>
           <a:p>
             <a:pPr lvl="2"/>
             <a:r>
-              <a:rPr lang="en-US" smtClean="0"/>
+              <a:rPr lang="en-US" dirty="0"/>
               <a:t>Third level</a:t>
             </a:r>
           </a:p>
           <a:p>
             <a:pPr lvl="3"/>
             <a:r>
-              <a:rPr lang="en-US" smtClean="0"/>
+              <a:rPr lang="en-US" dirty="0"/>
               <a:t>Fourth level</a:t>
             </a:r>
           </a:p>
           <a:p>
             <a:pPr lvl="4"/>
             <a:r>
-              <a:rPr lang="en-US" smtClean="0"/>
+              <a:rPr lang="en-US" dirty="0"/>
               <a:t>Fifth level</a:t>
             </a:r>
-            <a:endParaRPr lang="en-US" dirty="0" smtClean="0"/>
           </a:p>
         </p:txBody>
       </p:sp>
@@ -854,7 +889,7 @@
           <a:p>
             <a:fld id="{B11D738E-8962-435F-8C43-147B8DD7E819}" type="datetime1">
               <a:rPr lang="en-US" smtClean="0"/>
-              <a:t>2/25/2020</a:t>
+              <a:t>3/3/2020</a:t>
             </a:fld>
             <a:endParaRPr lang="en-US"/>
           </a:p>
@@ -876,10 +911,9 @@
           <a:lstStyle/>
           <a:p>
             <a:r>
-              <a:rPr lang="en-US" smtClean="0"/>
+              <a:rPr lang="en-US"/>
               <a:t>Footer Text</a:t>
             </a:r>
-            <a:endParaRPr lang="en-US"/>
           </a:p>
         </p:txBody>
       </p:sp>
@@ -978,7 +1012,7 @@
           </a:lstStyle>
           <a:p>
             <a:r>
-              <a:rPr lang="en-US" smtClean="0"/>
+              <a:rPr lang="en-US"/>
               <a:t>Click to edit Master title style</a:t>
             </a:r>
             <a:endParaRPr lang="en-US" dirty="0"/>
@@ -1098,7 +1132,7 @@
           <a:p>
             <a:pPr lvl="0"/>
             <a:r>
-              <a:rPr lang="en-US" smtClean="0"/>
+              <a:rPr lang="en-US"/>
               <a:t>Click to edit Master text styles</a:t>
             </a:r>
           </a:p>
@@ -1121,7 +1155,7 @@
           <a:p>
             <a:fld id="{09CAEA93-55E7-4DA9-90C2-089A26EEFEC4}" type="datetime1">
               <a:rPr lang="en-US" smtClean="0"/>
-              <a:t>2/25/2020</a:t>
+              <a:t>3/3/2020</a:t>
             </a:fld>
             <a:endParaRPr lang="en-US"/>
           </a:p>
@@ -1143,10 +1177,9 @@
           <a:lstStyle/>
           <a:p>
             <a:r>
-              <a:rPr lang="en-US" smtClean="0"/>
+              <a:rPr lang="en-US"/>
               <a:t>Footer Text</a:t>
             </a:r>
-            <a:endParaRPr lang="en-US"/>
           </a:p>
         </p:txBody>
       </p:sp>
@@ -1365,10 +1398,9 @@
           <a:lstStyle/>
           <a:p>
             <a:r>
-              <a:rPr lang="en-US" smtClean="0"/>
+              <a:rPr lang="en-US"/>
               <a:t>Click to edit Master title style</a:t>
             </a:r>
-            <a:endParaRPr lang="en-US"/>
           </a:p>
         </p:txBody>
       </p:sp>
@@ -1422,38 +1454,38 @@
           <a:p>
             <a:pPr lvl="0"/>
             <a:r>
-              <a:rPr lang="en-US" smtClean="0"/>
+              <a:rPr lang="en-US"/>
               <a:t>Click to edit Master text styles</a:t>
             </a:r>
           </a:p>
           <a:p>
             <a:pPr lvl="1"/>
             <a:r>
-              <a:rPr lang="en-US" smtClean="0"/>
+              <a:rPr lang="en-US"/>
               <a:t>Second level</a:t>
             </a:r>
           </a:p>
           <a:p>
             <a:pPr lvl="2"/>
             <a:r>
-              <a:rPr lang="en-US" smtClean="0"/>
+              <a:rPr lang="en-US"/>
               <a:t>Third level</a:t>
             </a:r>
           </a:p>
           <a:p>
             <a:pPr lvl="3"/>
             <a:r>
-              <a:rPr lang="en-US" smtClean="0"/>
+              <a:rPr lang="en-US"/>
               <a:t>Fourth level</a:t>
             </a:r>
           </a:p>
           <a:p>
             <a:pPr lvl="4"/>
             <a:r>
-              <a:rPr lang="en-US" smtClean="0"/>
+              <a:rPr lang="en-US"/>
               <a:t>Fifth level</a:t>
             </a:r>
-            <a:endParaRPr lang="en-US" dirty="0" smtClean="0"/>
+            <a:endParaRPr lang="en-US" dirty="0"/>
           </a:p>
         </p:txBody>
       </p:sp>
@@ -1474,7 +1506,7 @@
           <a:p>
             <a:fld id="{E34CF3C7-6809-4F39-BD67-A75817BDDE0A}" type="datetime1">
               <a:rPr lang="en-US" smtClean="0"/>
-              <a:t>2/25/2020</a:t>
+              <a:t>3/3/2020</a:t>
             </a:fld>
             <a:endParaRPr lang="en-US"/>
           </a:p>
@@ -1496,10 +1528,9 @@
           <a:lstStyle/>
           <a:p>
             <a:r>
-              <a:rPr lang="en-US" smtClean="0"/>
+              <a:rPr lang="en-US"/>
               <a:t>Footer Text</a:t>
             </a:r>
-            <a:endParaRPr lang="en-US"/>
           </a:p>
         </p:txBody>
       </p:sp>
@@ -1549,38 +1580,37 @@
           <a:p>
             <a:pPr lvl="0"/>
             <a:r>
-              <a:rPr lang="en-US" smtClean="0"/>
+              <a:rPr lang="en-US"/>
               <a:t>Click to edit Master text styles</a:t>
             </a:r>
           </a:p>
           <a:p>
             <a:pPr lvl="1"/>
             <a:r>
-              <a:rPr lang="en-US" smtClean="0"/>
+              <a:rPr lang="en-US"/>
               <a:t>Second level</a:t>
             </a:r>
           </a:p>
           <a:p>
             <a:pPr lvl="2"/>
             <a:r>
-              <a:rPr lang="en-US" smtClean="0"/>
+              <a:rPr lang="en-US"/>
               <a:t>Third level</a:t>
             </a:r>
           </a:p>
           <a:p>
             <a:pPr lvl="3"/>
             <a:r>
-              <a:rPr lang="en-US" smtClean="0"/>
+              <a:rPr lang="en-US"/>
               <a:t>Fourth level</a:t>
             </a:r>
           </a:p>
           <a:p>
             <a:pPr lvl="4"/>
             <a:r>
-              <a:rPr lang="en-US" smtClean="0"/>
+              <a:rPr lang="en-US"/>
               <a:t>Fifth level</a:t>
             </a:r>
-            <a:endParaRPr lang="en-US"/>
           </a:p>
         </p:txBody>
       </p:sp>
@@ -1629,10 +1659,9 @@
           </a:lstStyle>
           <a:p>
             <a:r>
-              <a:rPr lang="en-US" smtClean="0"/>
+              <a:rPr lang="en-US"/>
               <a:t>Click to edit Master title style</a:t>
             </a:r>
-            <a:endParaRPr lang="en-US"/>
           </a:p>
         </p:txBody>
       </p:sp>
@@ -1697,7 +1726,7 @@
           <a:p>
             <a:pPr lvl="0"/>
             <a:r>
-              <a:rPr lang="en-US" smtClean="0"/>
+              <a:rPr lang="en-US"/>
               <a:t>Click to edit Master text styles</a:t>
             </a:r>
           </a:p>
@@ -1764,7 +1793,7 @@
           <a:p>
             <a:pPr lvl="0"/>
             <a:r>
-              <a:rPr lang="en-US" smtClean="0"/>
+              <a:rPr lang="en-US"/>
               <a:t>Click to edit Master text styles</a:t>
             </a:r>
           </a:p>
@@ -1787,7 +1816,7 @@
           <a:p>
             <a:fld id="{F7EAEB24-CE78-465C-A726-91D0868FA48F}" type="datetime1">
               <a:rPr lang="en-US" smtClean="0"/>
-              <a:t>2/25/2020</a:t>
+              <a:t>3/3/2020</a:t>
             </a:fld>
             <a:endParaRPr lang="en-US"/>
           </a:p>
@@ -1809,10 +1838,9 @@
           <a:lstStyle/>
           <a:p>
             <a:r>
-              <a:rPr lang="en-US" smtClean="0"/>
+              <a:rPr lang="en-US"/>
               <a:t>Footer Text</a:t>
             </a:r>
-            <a:endParaRPr lang="en-US"/>
           </a:p>
         </p:txBody>
       </p:sp>
@@ -1862,35 +1890,35 @@
           <a:p>
             <a:pPr lvl="0"/>
             <a:r>
-              <a:rPr lang="en-US" smtClean="0"/>
+              <a:rPr lang="en-US"/>
               <a:t>Click to edit Master text styles</a:t>
             </a:r>
           </a:p>
           <a:p>
             <a:pPr lvl="1"/>
             <a:r>
-              <a:rPr lang="en-US" smtClean="0"/>
+              <a:rPr lang="en-US"/>
               <a:t>Second level</a:t>
             </a:r>
           </a:p>
           <a:p>
             <a:pPr lvl="2"/>
             <a:r>
-              <a:rPr lang="en-US" smtClean="0"/>
+              <a:rPr lang="en-US"/>
               <a:t>Third level</a:t>
             </a:r>
           </a:p>
           <a:p>
             <a:pPr lvl="3"/>
             <a:r>
-              <a:rPr lang="en-US" smtClean="0"/>
+              <a:rPr lang="en-US"/>
               <a:t>Fourth level</a:t>
             </a:r>
           </a:p>
           <a:p>
             <a:pPr lvl="4"/>
             <a:r>
-              <a:rPr lang="en-US" smtClean="0"/>
+              <a:rPr lang="en-US"/>
               <a:t>Fifth level</a:t>
             </a:r>
             <a:endParaRPr lang="en-US" dirty="0"/>
@@ -1919,35 +1947,35 @@
           <a:p>
             <a:pPr lvl="0"/>
             <a:r>
-              <a:rPr lang="en-US" smtClean="0"/>
+              <a:rPr lang="en-US"/>
               <a:t>Click to edit Master text styles</a:t>
             </a:r>
           </a:p>
           <a:p>
             <a:pPr lvl="1"/>
             <a:r>
-              <a:rPr lang="en-US" smtClean="0"/>
+              <a:rPr lang="en-US"/>
               <a:t>Second level</a:t>
             </a:r>
           </a:p>
           <a:p>
             <a:pPr lvl="2"/>
             <a:r>
-              <a:rPr lang="en-US" smtClean="0"/>
+              <a:rPr lang="en-US"/>
               <a:t>Third level</a:t>
             </a:r>
           </a:p>
           <a:p>
             <a:pPr lvl="3"/>
             <a:r>
-              <a:rPr lang="en-US" smtClean="0"/>
+              <a:rPr lang="en-US"/>
               <a:t>Fourth level</a:t>
             </a:r>
           </a:p>
           <a:p>
             <a:pPr lvl="4"/>
             <a:r>
-              <a:rPr lang="en-US" smtClean="0"/>
+              <a:rPr lang="en-US"/>
               <a:t>Fifth level</a:t>
             </a:r>
             <a:endParaRPr lang="en-US" dirty="0"/>
@@ -1995,7 +2023,7 @@
           <a:lstStyle/>
           <a:p>
             <a:r>
-              <a:rPr lang="en-US" smtClean="0"/>
+              <a:rPr lang="en-US"/>
               <a:t>Click to edit Master title style</a:t>
             </a:r>
             <a:endParaRPr lang="en-US" dirty="0"/>
@@ -2019,7 +2047,7 @@
           <a:p>
             <a:fld id="{40BAADF0-1749-4E8B-9691-B44A5F8C0895}" type="datetime1">
               <a:rPr lang="en-US" smtClean="0"/>
-              <a:t>2/25/2020</a:t>
+              <a:t>3/3/2020</a:t>
             </a:fld>
             <a:endParaRPr lang="en-US"/>
           </a:p>
@@ -2041,10 +2069,9 @@
           <a:lstStyle/>
           <a:p>
             <a:r>
-              <a:rPr lang="en-US" smtClean="0"/>
+              <a:rPr lang="en-US"/>
               <a:t>Footer Text</a:t>
             </a:r>
-            <a:endParaRPr lang="en-US"/>
           </a:p>
         </p:txBody>
       </p:sp>
@@ -2114,7 +2141,7 @@
           <a:p>
             <a:fld id="{A8AF628A-A867-4937-BBE5-207DB6F9C51A}" type="datetime1">
               <a:rPr lang="en-US" smtClean="0"/>
-              <a:t>2/25/2020</a:t>
+              <a:t>3/3/2020</a:t>
             </a:fld>
             <a:endParaRPr lang="en-US"/>
           </a:p>
@@ -2136,10 +2163,9 @@
           <a:lstStyle/>
           <a:p>
             <a:r>
-              <a:rPr lang="en-US" smtClean="0"/>
+              <a:rPr lang="en-US"/>
               <a:t>Footer Text</a:t>
             </a:r>
-            <a:endParaRPr lang="en-US"/>
           </a:p>
         </p:txBody>
       </p:sp>
@@ -2228,7 +2254,7 @@
           </a:lstStyle>
           <a:p>
             <a:r>
-              <a:rPr lang="en-US" smtClean="0"/>
+              <a:rPr lang="en-US"/>
               <a:t>Click to edit Master title style</a:t>
             </a:r>
             <a:endParaRPr lang="en-US" dirty="0"/>
@@ -2285,35 +2311,35 @@
           <a:p>
             <a:pPr lvl="0"/>
             <a:r>
-              <a:rPr lang="en-US" smtClean="0"/>
+              <a:rPr lang="en-US"/>
               <a:t>Click to edit Master text styles</a:t>
             </a:r>
           </a:p>
           <a:p>
             <a:pPr lvl="1"/>
             <a:r>
-              <a:rPr lang="en-US" smtClean="0"/>
+              <a:rPr lang="en-US"/>
               <a:t>Second level</a:t>
             </a:r>
           </a:p>
           <a:p>
             <a:pPr lvl="2"/>
             <a:r>
-              <a:rPr lang="en-US" smtClean="0"/>
+              <a:rPr lang="en-US"/>
               <a:t>Third level</a:t>
             </a:r>
           </a:p>
           <a:p>
             <a:pPr lvl="3"/>
             <a:r>
-              <a:rPr lang="en-US" smtClean="0"/>
+              <a:rPr lang="en-US"/>
               <a:t>Fourth level</a:t>
             </a:r>
           </a:p>
           <a:p>
             <a:pPr lvl="4"/>
             <a:r>
-              <a:rPr lang="en-US" smtClean="0"/>
+              <a:rPr lang="en-US"/>
               <a:t>Fifth level</a:t>
             </a:r>
             <a:endParaRPr lang="en-US" dirty="0"/>
@@ -2384,7 +2410,7 @@
           <a:p>
             <a:pPr lvl="0"/>
             <a:r>
-              <a:rPr lang="en-US" smtClean="0"/>
+              <a:rPr lang="en-US"/>
               <a:t>Click to edit Master text styles</a:t>
             </a:r>
           </a:p>
@@ -2407,7 +2433,7 @@
           <a:p>
             <a:fld id="{118BBB94-68E6-4675-A946-F1C5994EDBD7}" type="datetime1">
               <a:rPr lang="en-US" smtClean="0"/>
-              <a:t>2/25/2020</a:t>
+              <a:t>3/3/2020</a:t>
             </a:fld>
             <a:endParaRPr lang="en-US"/>
           </a:p>
@@ -2429,10 +2455,9 @@
           <a:lstStyle/>
           <a:p>
             <a:r>
-              <a:rPr lang="en-US" smtClean="0"/>
+              <a:rPr lang="en-US"/>
               <a:t>Footer Text</a:t>
             </a:r>
-            <a:endParaRPr lang="en-US"/>
           </a:p>
         </p:txBody>
       </p:sp>
@@ -2513,7 +2538,7 @@
           </a:lstStyle>
           <a:p>
             <a:r>
-              <a:rPr lang="en-US" smtClean="0"/>
+              <a:rPr lang="en-US"/>
               <a:t>Click to edit Master title style</a:t>
             </a:r>
             <a:endParaRPr lang="en-US" dirty="0"/>
@@ -2590,7 +2615,7 @@
           </a:lstStyle>
           <a:p>
             <a:r>
-              <a:rPr lang="en-US" smtClean="0"/>
+              <a:rPr lang="en-US"/>
               <a:t>Click icon to add picture</a:t>
             </a:r>
             <a:endParaRPr lang="en-US" dirty="0"/>
@@ -2658,7 +2683,7 @@
           <a:p>
             <a:pPr lvl="0"/>
             <a:r>
-              <a:rPr lang="en-US" smtClean="0"/>
+              <a:rPr lang="en-US"/>
               <a:t>Click to edit Master text styles</a:t>
             </a:r>
           </a:p>
@@ -2681,7 +2706,7 @@
           <a:p>
             <a:fld id="{DC3B8377-21E3-4835-B75D-4E2847E2750F}" type="datetime1">
               <a:rPr lang="en-US" smtClean="0"/>
-              <a:t>2/25/2020</a:t>
+              <a:t>3/3/2020</a:t>
             </a:fld>
             <a:endParaRPr lang="en-US"/>
           </a:p>
@@ -2703,10 +2728,9 @@
           <a:lstStyle/>
           <a:p>
             <a:r>
-              <a:rPr lang="en-US" smtClean="0"/>
+              <a:rPr lang="en-US"/>
               <a:t>Footer Text</a:t>
             </a:r>
-            <a:endParaRPr lang="en-US"/>
           </a:p>
         </p:txBody>
       </p:sp>
@@ -2790,7 +2814,7 @@
           <a:lstStyle/>
           <a:p>
             <a:r>
-              <a:rPr lang="en-US" smtClean="0"/>
+              <a:rPr lang="en-US"/>
               <a:t>Click to edit Master title style</a:t>
             </a:r>
             <a:endParaRPr lang="en-US" dirty="0"/>
@@ -2824,38 +2848,37 @@
           <a:p>
             <a:pPr lvl="0"/>
             <a:r>
-              <a:rPr lang="en-US" smtClean="0"/>
+              <a:rPr lang="en-US" dirty="0"/>
               <a:t>Click to edit Master text styles</a:t>
             </a:r>
           </a:p>
           <a:p>
             <a:pPr lvl="1"/>
             <a:r>
-              <a:rPr lang="en-US" smtClean="0"/>
+              <a:rPr lang="en-US" dirty="0"/>
               <a:t>Second level</a:t>
             </a:r>
           </a:p>
           <a:p>
             <a:pPr lvl="2"/>
             <a:r>
-              <a:rPr lang="en-US" smtClean="0"/>
+              <a:rPr lang="en-US" dirty="0"/>
               <a:t>Third level</a:t>
             </a:r>
           </a:p>
           <a:p>
             <a:pPr lvl="3"/>
             <a:r>
-              <a:rPr lang="en-US" smtClean="0"/>
+              <a:rPr lang="en-US" dirty="0"/>
               <a:t>Fourth level</a:t>
             </a:r>
           </a:p>
           <a:p>
             <a:pPr lvl="4"/>
             <a:r>
-              <a:rPr lang="en-US" smtClean="0"/>
+              <a:rPr lang="en-US" dirty="0"/>
               <a:t>Fifth level</a:t>
             </a:r>
-            <a:endParaRPr lang="en-US" dirty="0" smtClean="0"/>
           </a:p>
         </p:txBody>
       </p:sp>
@@ -2896,7 +2919,7 @@
           <a:p>
             <a:fld id="{B0C4986D-6BE9-4264-908F-02DB36FD8D6C}" type="datetime1">
               <a:rPr lang="en-US" smtClean="0"/>
-              <a:t>2/25/2020</a:t>
+              <a:t>3/3/2020</a:t>
             </a:fld>
             <a:endParaRPr lang="en-US" dirty="0"/>
           </a:p>
@@ -2938,10 +2961,9 @@
           </a:lstStyle>
           <a:p>
             <a:r>
-              <a:rPr lang="en-US" smtClean="0"/>
+              <a:rPr lang="en-US" dirty="0"/>
               <a:t>Footer Text</a:t>
             </a:r>
-            <a:endParaRPr lang="en-US" dirty="0"/>
           </a:p>
         </p:txBody>
       </p:sp>
@@ -3154,8 +3176,8 @@
               <a:lumOff val="50000"/>
             </a:schemeClr>
           </a:solidFill>
-          <a:latin typeface="+mj-lt"/>
-          <a:ea typeface="+mn-ea"/>
+          <a:latin typeface="EB Garamond" panose="00000500000000000000" pitchFamily="2" charset="0"/>
+          <a:ea typeface="EB Garamond" panose="00000500000000000000" pitchFamily="2" charset="0"/>
           <a:cs typeface="+mn-cs"/>
         </a:defRPr>
       </a:lvl1pPr>
@@ -3172,8 +3194,8 @@
               <a:lumOff val="50000"/>
             </a:schemeClr>
           </a:solidFill>
-          <a:latin typeface="+mj-lt"/>
-          <a:ea typeface="+mn-ea"/>
+          <a:latin typeface="EB Garamond" panose="00000500000000000000" pitchFamily="2" charset="0"/>
+          <a:ea typeface="EB Garamond" panose="00000500000000000000" pitchFamily="2" charset="0"/>
           <a:cs typeface="+mn-cs"/>
         </a:defRPr>
       </a:lvl2pPr>
@@ -3190,8 +3212,8 @@
               <a:lumOff val="50000"/>
             </a:schemeClr>
           </a:solidFill>
-          <a:latin typeface="+mj-lt"/>
-          <a:ea typeface="+mn-ea"/>
+          <a:latin typeface="EB Garamond" panose="00000500000000000000" pitchFamily="2" charset="0"/>
+          <a:ea typeface="EB Garamond" panose="00000500000000000000" pitchFamily="2" charset="0"/>
           <a:cs typeface="+mn-cs"/>
         </a:defRPr>
       </a:lvl3pPr>
@@ -3208,8 +3230,8 @@
               <a:lumOff val="50000"/>
             </a:schemeClr>
           </a:solidFill>
-          <a:latin typeface="+mj-lt"/>
-          <a:ea typeface="+mn-ea"/>
+          <a:latin typeface="EB Garamond" panose="00000500000000000000" pitchFamily="2" charset="0"/>
+          <a:ea typeface="EB Garamond" panose="00000500000000000000" pitchFamily="2" charset="0"/>
           <a:cs typeface="+mn-cs"/>
         </a:defRPr>
       </a:lvl4pPr>
@@ -3226,8 +3248,8 @@
               <a:lumOff val="50000"/>
             </a:schemeClr>
           </a:solidFill>
-          <a:latin typeface="+mj-lt"/>
-          <a:ea typeface="+mn-ea"/>
+          <a:latin typeface="EB Garamond" panose="00000500000000000000" pitchFamily="2" charset="0"/>
+          <a:ea typeface="EB Garamond" panose="00000500000000000000" pitchFamily="2" charset="0"/>
           <a:cs typeface="+mn-cs"/>
         </a:defRPr>
       </a:lvl5pPr>
@@ -3436,29 +3458,9 @@
           <a:lstStyle/>
           <a:p>
             <a:r>
-              <a:rPr lang="en-US" dirty="0" smtClean="0"/>
+              <a:rPr lang="en-US" dirty="0"/>
               <a:t>UDP</a:t>
             </a:r>
-            <a:endParaRPr lang="en-US" dirty="0"/>
-          </a:p>
-        </p:txBody>
-      </p:sp>
-      <p:sp>
-        <p:nvSpPr>
-          <p:cNvPr id="3" name="Subtitle 2"/>
-          <p:cNvSpPr>
-            <a:spLocks noGrp="1"/>
-          </p:cNvSpPr>
-          <p:nvPr>
-            <p:ph type="subTitle" idx="1"/>
-          </p:nvPr>
-        </p:nvSpPr>
-        <p:spPr/>
-        <p:txBody>
-          <a:bodyPr/>
-          <a:lstStyle/>
-          <a:p>
-            <a:endParaRPr lang="en-US"/>
           </a:p>
         </p:txBody>
       </p:sp>
@@ -3479,7 +3481,7 @@
           <a:p>
             <a:fld id="{216C5678-EE20-4FA5-88E2-6E0BD67A2E26}" type="datetime1">
               <a:rPr lang="en-US" smtClean="0"/>
-              <a:t>2/25/2020</a:t>
+              <a:t>3/3/2020</a:t>
             </a:fld>
             <a:endParaRPr lang="en-US" dirty="0"/>
           </a:p>
@@ -3525,10 +3527,9 @@
           <a:lstStyle/>
           <a:p>
             <a:r>
-              <a:rPr lang="en-US" smtClean="0"/>
+              <a:rPr lang="en-US" dirty="0"/>
               <a:t>Footer Text</a:t>
             </a:r>
-            <a:endParaRPr lang="en-US" dirty="0"/>
           </a:p>
         </p:txBody>
       </p:sp>
@@ -3542,13 +3543,6 @@
   <p:clrMapOvr>
     <a:masterClrMapping/>
   </p:clrMapOvr>
-  <p:timing>
-    <p:tnLst>
-      <p:par>
-        <p:cTn id="1" dur="indefinite" restart="never" nodeType="tmRoot"/>
-      </p:par>
-    </p:tnLst>
-  </p:timing>
 </p:sld>
 </file>
 
@@ -3571,133 +3565,26 @@
       </p:grpSpPr>
       <p:sp>
         <p:nvSpPr>
-          <p:cNvPr id="3" name="Content Placeholder 2"/>
-          <p:cNvSpPr>
-            <a:spLocks noGrp="1"/>
-          </p:cNvSpPr>
-          <p:nvPr>
-            <p:ph idx="1"/>
-          </p:nvPr>
-        </p:nvSpPr>
-        <p:spPr>
-          <a:xfrm>
-            <a:off x="0" y="0"/>
-            <a:ext cx="9144000" cy="6858000"/>
-          </a:xfrm>
-        </p:spPr>
-        <p:txBody>
-          <a:bodyPr/>
-          <a:lstStyle/>
-          <a:p>
-            <a:endParaRPr lang="en-US" dirty="0" smtClean="0"/>
-          </a:p>
-          <a:p>
-            <a:r>
-              <a:rPr lang="en-US" u="sng" dirty="0" smtClean="0"/>
-              <a:t>Flow control and error control</a:t>
-            </a:r>
-          </a:p>
-          <a:p>
-            <a:pPr lvl="1"/>
-            <a:r>
-              <a:rPr lang="en-US" sz="2000" i="1" dirty="0" smtClean="0"/>
-              <a:t>No flow control hence no window  mechanism.</a:t>
-            </a:r>
-          </a:p>
-          <a:p>
-            <a:pPr lvl="1"/>
-            <a:r>
-              <a:rPr lang="en-US" sz="2000" i="1" dirty="0" smtClean="0"/>
-              <a:t>No error control mechanism except for the checksum.</a:t>
-            </a:r>
-          </a:p>
-          <a:p>
-            <a:pPr lvl="1"/>
-            <a:r>
-              <a:rPr lang="en-US" sz="2000" i="1" dirty="0" smtClean="0"/>
-              <a:t>Sender doesn’t know if a message  has been lost or damaged  or duplicated.</a:t>
-            </a:r>
-          </a:p>
-          <a:p>
-            <a:pPr lvl="1"/>
-            <a:r>
-              <a:rPr lang="en-US" sz="2000" i="1" dirty="0" smtClean="0"/>
-              <a:t>When receiver detect  an error  through the checksum ,the datagram is discarded.</a:t>
-            </a:r>
-          </a:p>
-          <a:p>
-            <a:pPr lvl="1"/>
-            <a:endParaRPr lang="en-US" sz="2000" i="1" dirty="0"/>
-          </a:p>
-          <a:p>
-            <a:pPr lvl="1"/>
-            <a:endParaRPr lang="en-US" sz="2000" i="1" dirty="0" smtClean="0"/>
-          </a:p>
-          <a:p>
-            <a:pPr lvl="1"/>
-            <a:endParaRPr lang="en-US" i="1" dirty="0" smtClean="0"/>
-          </a:p>
-          <a:p>
-            <a:r>
-              <a:rPr lang="en-US" u="sng" dirty="0" smtClean="0"/>
-              <a:t>Encapsulation and </a:t>
-            </a:r>
-            <a:r>
-              <a:rPr lang="en-US" u="sng" dirty="0" err="1" smtClean="0"/>
-              <a:t>Decapsulation</a:t>
-            </a:r>
-            <a:r>
-              <a:rPr lang="en-US" u="sng" dirty="0" smtClean="0"/>
-              <a:t> </a:t>
-            </a:r>
-          </a:p>
-          <a:p>
-            <a:pPr lvl="1"/>
-            <a:endParaRPr lang="en-US" sz="2400" u="sng" dirty="0" smtClean="0"/>
-          </a:p>
-          <a:p>
-            <a:pPr lvl="1"/>
-            <a:r>
-              <a:rPr lang="en-US" sz="2000" i="1" dirty="0" smtClean="0"/>
-              <a:t>To send a message from one process to another ,</a:t>
-            </a:r>
-            <a:r>
-              <a:rPr lang="en-US" sz="2000" i="1" dirty="0" err="1" smtClean="0"/>
-              <a:t>Udp</a:t>
-            </a:r>
-            <a:r>
-              <a:rPr lang="en-US" sz="2000" i="1" dirty="0"/>
-              <a:t> </a:t>
-            </a:r>
-            <a:r>
-              <a:rPr lang="en-US" sz="2000" i="1" dirty="0" smtClean="0"/>
-              <a:t>protocol  </a:t>
-            </a:r>
-          </a:p>
-          <a:p>
-            <a:pPr marL="457200" lvl="1" indent="0">
-              <a:buNone/>
-            </a:pPr>
-            <a:r>
-              <a:rPr lang="en-US" sz="2000" i="1" dirty="0" smtClean="0"/>
-              <a:t>encapsulates and </a:t>
-            </a:r>
-            <a:r>
-              <a:rPr lang="en-US" sz="2000" i="1" dirty="0" err="1" smtClean="0"/>
-              <a:t>decapsulates</a:t>
-            </a:r>
-            <a:r>
-              <a:rPr lang="en-US" sz="2000" i="1" dirty="0" smtClean="0"/>
-              <a:t> messages in an IP datagram</a:t>
-            </a:r>
-            <a:r>
-              <a:rPr lang="en-US" i="1" dirty="0" smtClean="0"/>
-              <a:t>.</a:t>
-            </a:r>
-            <a:r>
-              <a:rPr lang="en-US" i="1" u="sng" dirty="0" smtClean="0"/>
-              <a:t> </a:t>
-            </a:r>
+          <p:cNvPr id="2" name="Title 1"/>
+          <p:cNvSpPr>
+            <a:spLocks noGrp="1"/>
+          </p:cNvSpPr>
+          <p:nvPr>
+            <p:ph type="title"/>
+          </p:nvPr>
+        </p:nvSpPr>
+        <p:spPr/>
+        <p:txBody>
+          <a:bodyPr/>
+          <a:lstStyle/>
+          <a:p>
+            <a:r>
+              <a:rPr lang="en-US" b="1" i="1" dirty="0">
+                <a:effectLst/>
+              </a:rPr>
+              <a:t>Queuing:</a:t>
+            </a:r>
+            <a:endParaRPr lang="en-US" dirty="0"/>
           </a:p>
         </p:txBody>
       </p:sp>
@@ -3718,7 +3605,7 @@
           <a:p>
             <a:fld id="{B11D738E-8962-435F-8C43-147B8DD7E819}" type="datetime1">
               <a:rPr lang="en-US" smtClean="0"/>
-              <a:t>2/25/2020</a:t>
+              <a:t>3/3/2020</a:t>
             </a:fld>
             <a:endParaRPr lang="en-US"/>
           </a:p>
@@ -3740,10 +3627,9 @@
           <a:lstStyle/>
           <a:p>
             <a:r>
-              <a:rPr lang="en-US" smtClean="0"/>
+              <a:rPr lang="en-US"/>
               <a:t>Footer Text</a:t>
             </a:r>
-            <a:endParaRPr lang="en-US"/>
           </a:p>
         </p:txBody>
       </p:sp>
@@ -3766,138 +3652,6 @@
               <a:rPr lang="en-US" smtClean="0"/>
               <a:pPr/>
               <a:t>10</a:t>
-            </a:fld>
-            <a:endParaRPr lang="en-US"/>
-          </a:p>
-        </p:txBody>
-      </p:sp>
-    </p:spTree>
-    <p:extLst>
-      <p:ext uri="{BB962C8B-B14F-4D97-AF65-F5344CB8AC3E}">
-        <p14:creationId xmlns:p14="http://schemas.microsoft.com/office/powerpoint/2010/main" val="311222020"/>
-      </p:ext>
-    </p:extLst>
-  </p:cSld>
-  <p:clrMapOvr>
-    <a:masterClrMapping/>
-  </p:clrMapOvr>
-  <p:timing>
-    <p:tnLst>
-      <p:par>
-        <p:cTn id="1" dur="indefinite" restart="never" nodeType="tmRoot"/>
-      </p:par>
-    </p:tnLst>
-  </p:timing>
-</p:sld>
-</file>
-
-<file path=ppt/slides/slide11.xml><?xml version="1.0" encoding="utf-8"?>
-<p:sld xmlns:a="http://schemas.openxmlformats.org/drawingml/2006/main" xmlns:r="http://schemas.openxmlformats.org/officeDocument/2006/relationships" xmlns:p="http://schemas.openxmlformats.org/presentationml/2006/main">
-  <p:cSld>
-    <p:spTree>
-      <p:nvGrpSpPr>
-        <p:cNvPr id="1" name=""/>
-        <p:cNvGrpSpPr/>
-        <p:nvPr/>
-      </p:nvGrpSpPr>
-      <p:grpSpPr>
-        <a:xfrm>
-          <a:off x="0" y="0"/>
-          <a:ext cx="0" cy="0"/>
-          <a:chOff x="0" y="0"/>
-          <a:chExt cx="0" cy="0"/>
-        </a:xfrm>
-      </p:grpSpPr>
-      <p:sp>
-        <p:nvSpPr>
-          <p:cNvPr id="2" name="Title 1"/>
-          <p:cNvSpPr>
-            <a:spLocks noGrp="1"/>
-          </p:cNvSpPr>
-          <p:nvPr>
-            <p:ph type="title"/>
-          </p:nvPr>
-        </p:nvSpPr>
-        <p:spPr/>
-        <p:txBody>
-          <a:bodyPr/>
-          <a:lstStyle/>
-          <a:p>
-            <a:r>
-              <a:rPr lang="en-US" b="1" i="1" dirty="0">
-                <a:effectLst/>
-              </a:rPr>
-              <a:t>Queuing:</a:t>
-            </a:r>
-            <a:endParaRPr lang="en-US" dirty="0"/>
-          </a:p>
-        </p:txBody>
-      </p:sp>
-      <p:sp>
-        <p:nvSpPr>
-          <p:cNvPr id="4" name="Date Placeholder 3"/>
-          <p:cNvSpPr>
-            <a:spLocks noGrp="1"/>
-          </p:cNvSpPr>
-          <p:nvPr>
-            <p:ph type="dt" sz="half" idx="10"/>
-          </p:nvPr>
-        </p:nvSpPr>
-        <p:spPr/>
-        <p:txBody>
-          <a:bodyPr/>
-          <a:lstStyle/>
-          <a:p>
-            <a:fld id="{B11D738E-8962-435F-8C43-147B8DD7E819}" type="datetime1">
-              <a:rPr lang="en-US" smtClean="0"/>
-              <a:t>2/25/2020</a:t>
-            </a:fld>
-            <a:endParaRPr lang="en-US"/>
-          </a:p>
-        </p:txBody>
-      </p:sp>
-      <p:sp>
-        <p:nvSpPr>
-          <p:cNvPr id="5" name="Footer Placeholder 4"/>
-          <p:cNvSpPr>
-            <a:spLocks noGrp="1"/>
-          </p:cNvSpPr>
-          <p:nvPr>
-            <p:ph type="ftr" sz="quarter" idx="11"/>
-          </p:nvPr>
-        </p:nvSpPr>
-        <p:spPr/>
-        <p:txBody>
-          <a:bodyPr/>
-          <a:lstStyle/>
-          <a:p>
-            <a:r>
-              <a:rPr lang="en-US" smtClean="0"/>
-              <a:t>Footer Text</a:t>
-            </a:r>
-            <a:endParaRPr lang="en-US"/>
-          </a:p>
-        </p:txBody>
-      </p:sp>
-      <p:sp>
-        <p:nvSpPr>
-          <p:cNvPr id="6" name="Slide Number Placeholder 5"/>
-          <p:cNvSpPr>
-            <a:spLocks noGrp="1"/>
-          </p:cNvSpPr>
-          <p:nvPr>
-            <p:ph type="sldNum" sz="quarter" idx="12"/>
-          </p:nvPr>
-        </p:nvSpPr>
-        <p:spPr/>
-        <p:txBody>
-          <a:bodyPr/>
-          <a:lstStyle/>
-          <a:p>
-            <a:fld id="{BA9B540C-44DA-4F69-89C9-7C84606640D3}" type="slidenum">
-              <a:rPr lang="en-US" smtClean="0"/>
-              <a:pPr/>
-              <a:t>11</a:t>
             </a:fld>
             <a:endParaRPr lang="en-US"/>
           </a:p>
@@ -3956,13 +3710,170 @@
   <p:clrMapOvr>
     <a:masterClrMapping/>
   </p:clrMapOvr>
-  <p:timing>
-    <p:tnLst>
-      <p:par>
-        <p:cTn id="1" dur="indefinite" restart="never" nodeType="tmRoot"/>
-      </p:par>
-    </p:tnLst>
-  </p:timing>
+</p:sld>
+</file>
+
+<file path=ppt/slides/slide11.xml><?xml version="1.0" encoding="utf-8"?>
+<p:sld xmlns:a="http://schemas.openxmlformats.org/drawingml/2006/main" xmlns:r="http://schemas.openxmlformats.org/officeDocument/2006/relationships" xmlns:p="http://schemas.openxmlformats.org/presentationml/2006/main">
+  <p:cSld>
+    <p:spTree>
+      <p:nvGrpSpPr>
+        <p:cNvPr id="1" name=""/>
+        <p:cNvGrpSpPr/>
+        <p:nvPr/>
+      </p:nvGrpSpPr>
+      <p:grpSpPr>
+        <a:xfrm>
+          <a:off x="0" y="0"/>
+          <a:ext cx="0" cy="0"/>
+          <a:chOff x="0" y="0"/>
+          <a:chExt cx="0" cy="0"/>
+        </a:xfrm>
+      </p:grpSpPr>
+      <p:sp>
+        <p:nvSpPr>
+          <p:cNvPr id="3" name="Content Placeholder 2"/>
+          <p:cNvSpPr>
+            <a:spLocks noGrp="1"/>
+          </p:cNvSpPr>
+          <p:nvPr>
+            <p:ph idx="1"/>
+          </p:nvPr>
+        </p:nvSpPr>
+        <p:spPr>
+          <a:xfrm>
+            <a:off x="0" y="304800"/>
+            <a:ext cx="9144000" cy="6553200"/>
+          </a:xfrm>
+        </p:spPr>
+        <p:txBody>
+          <a:bodyPr/>
+          <a:lstStyle/>
+          <a:p>
+            <a:r>
+              <a:rPr lang="en-US" dirty="0"/>
+              <a:t>When a process starts, it requests a port number from the operating system.</a:t>
+            </a:r>
+          </a:p>
+          <a:p>
+            <a:r>
+              <a:rPr lang="en-US" dirty="0"/>
+              <a:t>Creates both an incoming and an outgoing queue associated with each process.</a:t>
+            </a:r>
+          </a:p>
+          <a:p>
+            <a:endParaRPr lang="en-US" dirty="0"/>
+          </a:p>
+          <a:p>
+            <a:r>
+              <a:rPr lang="en-US" dirty="0"/>
+              <a:t>The </a:t>
+            </a:r>
+            <a:r>
+              <a:rPr lang="en-US" b="1" dirty="0"/>
+              <a:t>client process </a:t>
+            </a:r>
+            <a:r>
+              <a:rPr lang="en-US" dirty="0"/>
+              <a:t>can send messages to the outgoing queue by using the source port number specified in the request.</a:t>
+            </a:r>
+          </a:p>
+          <a:p>
+            <a:r>
+              <a:rPr lang="en-US" dirty="0"/>
+              <a:t>UDP removes the messages one by one and, after adding the UDP header, delivers them to IP. </a:t>
+            </a:r>
+          </a:p>
+          <a:p>
+            <a:endParaRPr lang="en-US" dirty="0"/>
+          </a:p>
+          <a:p>
+            <a:r>
+              <a:rPr lang="en-US" dirty="0"/>
+              <a:t>When a message arrives for a client, UDP checks to see if an incoming queue has been created for the port number specified in the destination port number field of the user datagram.</a:t>
+            </a:r>
+          </a:p>
+        </p:txBody>
+      </p:sp>
+      <p:sp>
+        <p:nvSpPr>
+          <p:cNvPr id="4" name="Date Placeholder 3"/>
+          <p:cNvSpPr>
+            <a:spLocks noGrp="1"/>
+          </p:cNvSpPr>
+          <p:nvPr>
+            <p:ph type="dt" sz="half" idx="10"/>
+          </p:nvPr>
+        </p:nvSpPr>
+        <p:spPr/>
+        <p:txBody>
+          <a:bodyPr/>
+          <a:lstStyle/>
+          <a:p>
+            <a:fld id="{B11D738E-8962-435F-8C43-147B8DD7E819}" type="datetime1">
+              <a:rPr lang="en-US" smtClean="0"/>
+              <a:t>3/3/2020</a:t>
+            </a:fld>
+            <a:endParaRPr lang="en-US"/>
+          </a:p>
+        </p:txBody>
+      </p:sp>
+      <p:sp>
+        <p:nvSpPr>
+          <p:cNvPr id="5" name="Footer Placeholder 4"/>
+          <p:cNvSpPr>
+            <a:spLocks noGrp="1"/>
+          </p:cNvSpPr>
+          <p:nvPr>
+            <p:ph type="ftr" sz="quarter" idx="11"/>
+          </p:nvPr>
+        </p:nvSpPr>
+        <p:spPr/>
+        <p:txBody>
+          <a:bodyPr/>
+          <a:lstStyle/>
+          <a:p>
+            <a:r>
+              <a:rPr lang="en-US"/>
+              <a:t>Footer Text</a:t>
+            </a:r>
+          </a:p>
+        </p:txBody>
+      </p:sp>
+      <p:sp>
+        <p:nvSpPr>
+          <p:cNvPr id="6" name="Slide Number Placeholder 5"/>
+          <p:cNvSpPr>
+            <a:spLocks noGrp="1"/>
+          </p:cNvSpPr>
+          <p:nvPr>
+            <p:ph type="sldNum" sz="quarter" idx="12"/>
+          </p:nvPr>
+        </p:nvSpPr>
+        <p:spPr/>
+        <p:txBody>
+          <a:bodyPr/>
+          <a:lstStyle/>
+          <a:p>
+            <a:fld id="{BA9B540C-44DA-4F69-89C9-7C84606640D3}" type="slidenum">
+              <a:rPr lang="en-US" smtClean="0"/>
+              <a:pPr/>
+              <a:t>11</a:t>
+            </a:fld>
+            <a:endParaRPr lang="en-US"/>
+          </a:p>
+        </p:txBody>
+      </p:sp>
+    </p:spTree>
+    <p:extLst>
+      <p:ext uri="{BB962C8B-B14F-4D97-AF65-F5344CB8AC3E}">
+        <p14:creationId xmlns:p14="http://schemas.microsoft.com/office/powerpoint/2010/main" val="2958183212"/>
+      </p:ext>
+    </p:extLst>
+  </p:cSld>
+  <p:clrMapOvr>
+    <a:masterClrMapping/>
+  </p:clrMapOvr>
 </p:sld>
 </file>
 
@@ -3995,8 +3906,8 @@
         </p:nvSpPr>
         <p:spPr>
           <a:xfrm>
-            <a:off x="0" y="76200"/>
-            <a:ext cx="9144000" cy="6781800"/>
+            <a:off x="0" y="228600"/>
+            <a:ext cx="9144000" cy="6629400"/>
           </a:xfrm>
         </p:spPr>
         <p:txBody>
@@ -4005,59 +3916,56 @@
           <a:p>
             <a:r>
               <a:rPr lang="en-US" dirty="0"/>
-              <a:t>When a process starts, it requests a port number from the operating system</a:t>
-            </a:r>
-            <a:r>
-              <a:rPr lang="en-US" dirty="0" smtClean="0"/>
-              <a:t>.</a:t>
+              <a:t>If there is such a queue, UDP sends the received user datagram to the end of the queue.</a:t>
             </a:r>
           </a:p>
           <a:p>
             <a:r>
               <a:rPr lang="en-US" dirty="0"/>
-              <a:t> </a:t>
-            </a:r>
-            <a:r>
-              <a:rPr lang="en-US" dirty="0" smtClean="0"/>
-              <a:t> </a:t>
-            </a:r>
+              <a:t>If there is no such queue, UDP discards the user datagram and asks the ICMP protocol to send a port unreachable message to the server.</a:t>
+            </a:r>
+          </a:p>
+          <a:p>
+            <a:endParaRPr lang="en-US" dirty="0"/>
+          </a:p>
+          <a:p>
             <a:r>
               <a:rPr lang="en-US" dirty="0"/>
-              <a:t>create both an incoming and an outgoing queue associated with each </a:t>
-            </a:r>
-            <a:r>
-              <a:rPr lang="en-US" dirty="0" smtClean="0"/>
-              <a:t>process.</a:t>
-            </a:r>
-          </a:p>
-          <a:p>
+              <a:t>At the </a:t>
+            </a:r>
+            <a:r>
+              <a:rPr lang="en-US" b="1" dirty="0"/>
+              <a:t>server site</a:t>
+            </a:r>
+            <a:r>
+              <a:rPr lang="en-US" dirty="0"/>
+              <a:t>, a server asks for incoming and outgoing queues, using its well-known port, when it starts running. </a:t>
+            </a:r>
+          </a:p>
+          <a:p>
+            <a:r>
+              <a:rPr lang="en-US" dirty="0"/>
+              <a:t>The queues remain open as long as the server is running.</a:t>
+            </a:r>
+            <a:br>
+              <a:rPr lang="en-US" dirty="0"/>
+            </a:br>
             <a:endParaRPr lang="en-US" dirty="0"/>
           </a:p>
           <a:p>
             <a:r>
               <a:rPr lang="en-US" dirty="0"/>
-              <a:t>The client process can send messages to the outgoing queue by using the source port number specified in the request</a:t>
-            </a:r>
-            <a:r>
-              <a:rPr lang="en-US" dirty="0" smtClean="0"/>
-              <a:t>.</a:t>
+              <a:t>When a message arrives for a server, UDP checks to see if an incoming queue has been created for the port number specified in the destination port number field of the user datagram.</a:t>
             </a:r>
           </a:p>
           <a:p>
             <a:r>
               <a:rPr lang="en-US" dirty="0"/>
-              <a:t>UDP removes the messages one by one and, after adding the UDP header, delivers them to IP. </a:t>
-            </a:r>
-            <a:endParaRPr lang="en-US" dirty="0" smtClean="0"/>
-          </a:p>
-          <a:p>
-            <a:endParaRPr lang="en-US" dirty="0"/>
-          </a:p>
-          <a:p>
-            <a:r>
+              <a:t>If there is such a queue, UDP sends the received user datagram to the end of the queue.</a:t>
+            </a:r>
+            <a:br>
               <a:rPr lang="en-US" dirty="0"/>
-              <a:t>When a message arrives for a client, UDP checks to see if an incoming queue has been created for the port number specified in the destination port number field of the user datagram.</a:t>
-            </a:r>
+            </a:br>
             <a:endParaRPr lang="en-US" dirty="0"/>
           </a:p>
         </p:txBody>
@@ -4079,7 +3987,7 @@
           <a:p>
             <a:fld id="{B11D738E-8962-435F-8C43-147B8DD7E819}" type="datetime1">
               <a:rPr lang="en-US" smtClean="0"/>
-              <a:t>2/25/2020</a:t>
+              <a:t>3/3/2020</a:t>
             </a:fld>
             <a:endParaRPr lang="en-US"/>
           </a:p>
@@ -4101,10 +4009,9 @@
           <a:lstStyle/>
           <a:p>
             <a:r>
-              <a:rPr lang="en-US" smtClean="0"/>
+              <a:rPr lang="en-US"/>
               <a:t>Footer Text</a:t>
             </a:r>
-            <a:endParaRPr lang="en-US"/>
           </a:p>
         </p:txBody>
       </p:sp>
@@ -4135,20 +4042,13 @@
     </p:spTree>
     <p:extLst>
       <p:ext uri="{BB962C8B-B14F-4D97-AF65-F5344CB8AC3E}">
-        <p14:creationId xmlns:p14="http://schemas.microsoft.com/office/powerpoint/2010/main" val="2958183212"/>
+        <p14:creationId xmlns:p14="http://schemas.microsoft.com/office/powerpoint/2010/main" val="2901037794"/>
       </p:ext>
     </p:extLst>
   </p:cSld>
   <p:clrMapOvr>
     <a:masterClrMapping/>
   </p:clrMapOvr>
-  <p:timing>
-    <p:tnLst>
-      <p:par>
-        <p:cTn id="1" dur="indefinite" restart="never" nodeType="tmRoot"/>
-      </p:par>
-    </p:tnLst>
-  </p:timing>
 </p:sld>
 </file>
 
@@ -4181,8 +4081,8 @@
         </p:nvSpPr>
         <p:spPr>
           <a:xfrm>
-            <a:off x="0" y="0"/>
-            <a:ext cx="9144000" cy="6858000"/>
+            <a:off x="0" y="304800"/>
+            <a:ext cx="9144000" cy="6553200"/>
           </a:xfrm>
         </p:spPr>
         <p:txBody>
@@ -4191,78 +4091,14 @@
           <a:p>
             <a:r>
               <a:rPr lang="en-US" dirty="0"/>
-              <a:t>If there is such a queue, UDP sends the received user datagram to the end of the queue</a:t>
-            </a:r>
-            <a:r>
-              <a:rPr lang="en-US" dirty="0" smtClean="0"/>
-              <a:t>.</a:t>
+              <a:t>When a server wants to respond to a client, it sends messages to the outgoing queue, using the source port number specified in the request.</a:t>
             </a:r>
           </a:p>
           <a:p>
             <a:r>
               <a:rPr lang="en-US" dirty="0"/>
-              <a:t>If there is no such queue, UDP discards the user datagram and asks the ICMP protocol to send a port unreachable message to the server</a:t>
-            </a:r>
-            <a:r>
-              <a:rPr lang="en-US" dirty="0" smtClean="0"/>
-              <a:t>.</a:t>
-            </a:r>
-          </a:p>
-          <a:p>
-            <a:endParaRPr lang="en-US" dirty="0"/>
-          </a:p>
-          <a:p>
-            <a:r>
-              <a:rPr lang="en-US" dirty="0"/>
-              <a:t>At the server site</a:t>
-            </a:r>
-            <a:r>
-              <a:rPr lang="en-US" dirty="0" smtClean="0"/>
-              <a:t>, </a:t>
-            </a:r>
-            <a:r>
-              <a:rPr lang="en-US" dirty="0"/>
-              <a:t>a server asks for incoming and outgoing queues, using its well-known port, when it starts running. </a:t>
-            </a:r>
-            <a:endParaRPr lang="en-US" dirty="0" smtClean="0"/>
-          </a:p>
-          <a:p>
-            <a:r>
-              <a:rPr lang="en-US" dirty="0" smtClean="0"/>
-              <a:t>The </a:t>
-            </a:r>
-            <a:r>
-              <a:rPr lang="en-US" dirty="0"/>
-              <a:t>queues remain open as long as the server is running.</a:t>
-            </a:r>
-            <a:br>
-              <a:rPr lang="en-US" dirty="0"/>
-            </a:br>
-            <a:endParaRPr lang="en-US" dirty="0"/>
-          </a:p>
-          <a:p>
-            <a:r>
-              <a:rPr lang="en-US" dirty="0"/>
-              <a:t>When a message arrives for a server, UDP checks to see if an incoming queue has been created for the port number specified in the destination port number field of the user datagram</a:t>
-            </a:r>
-            <a:r>
-              <a:rPr lang="en-US" dirty="0" smtClean="0"/>
-              <a:t>.</a:t>
-            </a:r>
-          </a:p>
-          <a:p>
-            <a:r>
-              <a:rPr lang="en-US" dirty="0"/>
-              <a:t>If there is such a queue, UDP sends the received user datagram to the end of the queue.</a:t>
-            </a:r>
-            <a:r>
-              <a:rPr lang="en-US" dirty="0"/>
-              <a:t/>
-            </a:r>
-            <a:br>
-              <a:rPr lang="en-US" dirty="0"/>
-            </a:br>
-            <a:endParaRPr lang="en-US" dirty="0"/>
+              <a:t> UDP removes the messages one by one and, after adding the UDP header, delivers them to IP.</a:t>
+            </a:r>
           </a:p>
         </p:txBody>
       </p:sp>
@@ -4283,7 +4119,7 @@
           <a:p>
             <a:fld id="{B11D738E-8962-435F-8C43-147B8DD7E819}" type="datetime1">
               <a:rPr lang="en-US" smtClean="0"/>
-              <a:t>2/25/2020</a:t>
+              <a:t>3/3/2020</a:t>
             </a:fld>
             <a:endParaRPr lang="en-US"/>
           </a:p>
@@ -4305,10 +4141,9 @@
           <a:lstStyle/>
           <a:p>
             <a:r>
-              <a:rPr lang="en-US" smtClean="0"/>
+              <a:rPr lang="en-US"/>
               <a:t>Footer Text</a:t>
             </a:r>
-            <a:endParaRPr lang="en-US"/>
           </a:p>
         </p:txBody>
       </p:sp>
@@ -4339,20 +4174,13 @@
     </p:spTree>
     <p:extLst>
       <p:ext uri="{BB962C8B-B14F-4D97-AF65-F5344CB8AC3E}">
-        <p14:creationId xmlns:p14="http://schemas.microsoft.com/office/powerpoint/2010/main" val="2901037794"/>
+        <p14:creationId xmlns:p14="http://schemas.microsoft.com/office/powerpoint/2010/main" val="1913579507"/>
       </p:ext>
     </p:extLst>
   </p:cSld>
   <p:clrMapOvr>
     <a:masterClrMapping/>
   </p:clrMapOvr>
-  <p:timing>
-    <p:tnLst>
-      <p:par>
-        <p:cTn id="1" dur="indefinite" restart="never" nodeType="tmRoot"/>
-      </p:par>
-    </p:tnLst>
-  </p:timing>
 </p:sld>
 </file>
 
@@ -4375,43 +4203,20 @@
       </p:grpSpPr>
       <p:sp>
         <p:nvSpPr>
-          <p:cNvPr id="3" name="Content Placeholder 2"/>
-          <p:cNvSpPr>
-            <a:spLocks noGrp="1"/>
-          </p:cNvSpPr>
-          <p:nvPr>
-            <p:ph idx="1"/>
-          </p:nvPr>
-        </p:nvSpPr>
-        <p:spPr>
-          <a:xfrm>
-            <a:off x="0" y="0"/>
-            <a:ext cx="9144000" cy="6858000"/>
-          </a:xfrm>
-        </p:spPr>
-        <p:txBody>
-          <a:bodyPr/>
-          <a:lstStyle/>
-          <a:p>
-            <a:r>
-              <a:rPr lang="en-US" dirty="0"/>
-              <a:t>When a server wants to respond to a client, it sends messages to the outgoing queue, using the source port number specified in the request</a:t>
-            </a:r>
-            <a:r>
-              <a:rPr lang="en-US" dirty="0" smtClean="0"/>
-              <a:t>.</a:t>
-            </a:r>
-          </a:p>
-          <a:p>
-            <a:r>
-              <a:rPr lang="en-US" dirty="0" smtClean="0"/>
-              <a:t> </a:t>
-            </a:r>
-            <a:r>
-              <a:rPr lang="en-US" dirty="0"/>
-              <a:t>UDP removes the messages one by one and, after adding the UDP header, delivers them to IP.</a:t>
-            </a:r>
-            <a:endParaRPr lang="en-US" dirty="0"/>
+          <p:cNvPr id="2" name="Title 1"/>
+          <p:cNvSpPr>
+            <a:spLocks noGrp="1"/>
+          </p:cNvSpPr>
+          <p:nvPr>
+            <p:ph type="title"/>
+          </p:nvPr>
+        </p:nvSpPr>
+        <p:spPr/>
+        <p:txBody>
+          <a:bodyPr/>
+          <a:lstStyle/>
+          <a:p>
+            <a:endParaRPr lang="en-US"/>
           </a:p>
         </p:txBody>
       </p:sp>
@@ -4432,7 +4237,7 @@
           <a:p>
             <a:fld id="{B11D738E-8962-435F-8C43-147B8DD7E819}" type="datetime1">
               <a:rPr lang="en-US" smtClean="0"/>
-              <a:t>2/25/2020</a:t>
+              <a:t>3/3/2020</a:t>
             </a:fld>
             <a:endParaRPr lang="en-US"/>
           </a:p>
@@ -4454,10 +4259,9 @@
           <a:lstStyle/>
           <a:p>
             <a:r>
-              <a:rPr lang="en-US" smtClean="0"/>
+              <a:rPr lang="en-US"/>
               <a:t>Footer Text</a:t>
             </a:r>
-            <a:endParaRPr lang="en-US"/>
           </a:p>
         </p:txBody>
       </p:sp>
@@ -4480,132 +4284,6 @@
               <a:rPr lang="en-US" smtClean="0"/>
               <a:pPr/>
               <a:t>14</a:t>
-            </a:fld>
-            <a:endParaRPr lang="en-US"/>
-          </a:p>
-        </p:txBody>
-      </p:sp>
-    </p:spTree>
-    <p:extLst>
-      <p:ext uri="{BB962C8B-B14F-4D97-AF65-F5344CB8AC3E}">
-        <p14:creationId xmlns:p14="http://schemas.microsoft.com/office/powerpoint/2010/main" val="1913579507"/>
-      </p:ext>
-    </p:extLst>
-  </p:cSld>
-  <p:clrMapOvr>
-    <a:masterClrMapping/>
-  </p:clrMapOvr>
-  <p:timing>
-    <p:tnLst>
-      <p:par>
-        <p:cTn id="1" dur="indefinite" restart="never" nodeType="tmRoot"/>
-      </p:par>
-    </p:tnLst>
-  </p:timing>
-</p:sld>
-</file>
-
-<file path=ppt/slides/slide15.xml><?xml version="1.0" encoding="utf-8"?>
-<p:sld xmlns:a="http://schemas.openxmlformats.org/drawingml/2006/main" xmlns:r="http://schemas.openxmlformats.org/officeDocument/2006/relationships" xmlns:p="http://schemas.openxmlformats.org/presentationml/2006/main">
-  <p:cSld>
-    <p:spTree>
-      <p:nvGrpSpPr>
-        <p:cNvPr id="1" name=""/>
-        <p:cNvGrpSpPr/>
-        <p:nvPr/>
-      </p:nvGrpSpPr>
-      <p:grpSpPr>
-        <a:xfrm>
-          <a:off x="0" y="0"/>
-          <a:ext cx="0" cy="0"/>
-          <a:chOff x="0" y="0"/>
-          <a:chExt cx="0" cy="0"/>
-        </a:xfrm>
-      </p:grpSpPr>
-      <p:sp>
-        <p:nvSpPr>
-          <p:cNvPr id="2" name="Title 1"/>
-          <p:cNvSpPr>
-            <a:spLocks noGrp="1"/>
-          </p:cNvSpPr>
-          <p:nvPr>
-            <p:ph type="title"/>
-          </p:nvPr>
-        </p:nvSpPr>
-        <p:spPr/>
-        <p:txBody>
-          <a:bodyPr/>
-          <a:lstStyle/>
-          <a:p>
-            <a:endParaRPr lang="en-US"/>
-          </a:p>
-        </p:txBody>
-      </p:sp>
-      <p:sp>
-        <p:nvSpPr>
-          <p:cNvPr id="4" name="Date Placeholder 3"/>
-          <p:cNvSpPr>
-            <a:spLocks noGrp="1"/>
-          </p:cNvSpPr>
-          <p:nvPr>
-            <p:ph type="dt" sz="half" idx="10"/>
-          </p:nvPr>
-        </p:nvSpPr>
-        <p:spPr/>
-        <p:txBody>
-          <a:bodyPr/>
-          <a:lstStyle/>
-          <a:p>
-            <a:fld id="{B11D738E-8962-435F-8C43-147B8DD7E819}" type="datetime1">
-              <a:rPr lang="en-US" smtClean="0"/>
-              <a:t>2/25/2020</a:t>
-            </a:fld>
-            <a:endParaRPr lang="en-US"/>
-          </a:p>
-        </p:txBody>
-      </p:sp>
-      <p:sp>
-        <p:nvSpPr>
-          <p:cNvPr id="5" name="Footer Placeholder 4"/>
-          <p:cNvSpPr>
-            <a:spLocks noGrp="1"/>
-          </p:cNvSpPr>
-          <p:nvPr>
-            <p:ph type="ftr" sz="quarter" idx="11"/>
-          </p:nvPr>
-        </p:nvSpPr>
-        <p:spPr/>
-        <p:txBody>
-          <a:bodyPr/>
-          <a:lstStyle/>
-          <a:p>
-            <a:r>
-              <a:rPr lang="en-US" smtClean="0"/>
-              <a:t>Footer Text</a:t>
-            </a:r>
-            <a:endParaRPr lang="en-US"/>
-          </a:p>
-        </p:txBody>
-      </p:sp>
-      <p:sp>
-        <p:nvSpPr>
-          <p:cNvPr id="6" name="Slide Number Placeholder 5"/>
-          <p:cNvSpPr>
-            <a:spLocks noGrp="1"/>
-          </p:cNvSpPr>
-          <p:nvPr>
-            <p:ph type="sldNum" sz="quarter" idx="12"/>
-          </p:nvPr>
-        </p:nvSpPr>
-        <p:spPr/>
-        <p:txBody>
-          <a:bodyPr/>
-          <a:lstStyle/>
-          <a:p>
-            <a:fld id="{BA9B540C-44DA-4F69-89C9-7C84606640D3}" type="slidenum">
-              <a:rPr lang="en-US" smtClean="0"/>
-              <a:pPr/>
-              <a:t>15</a:t>
             </a:fld>
             <a:endParaRPr lang="en-US"/>
           </a:p>
@@ -4664,17 +4342,10 @@
   <p:clrMapOvr>
     <a:masterClrMapping/>
   </p:clrMapOvr>
-  <p:timing>
-    <p:tnLst>
-      <p:par>
-        <p:cTn id="1" dur="indefinite" restart="never" nodeType="tmRoot"/>
-      </p:par>
-    </p:tnLst>
-  </p:timing>
 </p:sld>
 </file>
 
-<file path=ppt/slides/slide16.xml><?xml version="1.0" encoding="utf-8"?>
+<file path=ppt/slides/slide15.xml><?xml version="1.0" encoding="utf-8"?>
 <p:sld xmlns:a="http://schemas.openxmlformats.org/drawingml/2006/main" xmlns:r="http://schemas.openxmlformats.org/officeDocument/2006/relationships" xmlns:p="http://schemas.openxmlformats.org/presentationml/2006/main">
   <p:cSld>
     <p:spTree>
@@ -4746,7 +4417,7 @@
           <a:p>
             <a:fld id="{B11D738E-8962-435F-8C43-147B8DD7E819}" type="datetime1">
               <a:rPr lang="en-US" smtClean="0"/>
-              <a:t>2/25/2020</a:t>
+              <a:t>3/3/2020</a:t>
             </a:fld>
             <a:endParaRPr lang="en-US"/>
           </a:p>
@@ -4768,10 +4439,9 @@
           <a:lstStyle/>
           <a:p>
             <a:r>
-              <a:rPr lang="en-US" smtClean="0"/>
+              <a:rPr lang="en-US"/>
               <a:t>Footer Text</a:t>
             </a:r>
-            <a:endParaRPr lang="en-US"/>
           </a:p>
         </p:txBody>
       </p:sp>
@@ -4793,7 +4463,7 @@
             <a:fld id="{BA9B540C-44DA-4F69-89C9-7C84606640D3}" type="slidenum">
               <a:rPr lang="en-US" smtClean="0"/>
               <a:pPr/>
-              <a:t>16</a:t>
+              <a:t>15</a:t>
             </a:fld>
             <a:endParaRPr lang="en-US"/>
           </a:p>
@@ -4954,17 +4624,10 @@
   <p:clrMapOvr>
     <a:masterClrMapping/>
   </p:clrMapOvr>
-  <p:timing>
-    <p:tnLst>
-      <p:par>
-        <p:cTn id="1" dur="indefinite" restart="never" nodeType="tmRoot"/>
-      </p:par>
-    </p:tnLst>
-  </p:timing>
 </p:sld>
 </file>
 
-<file path=ppt/slides/slide17.xml><?xml version="1.0" encoding="utf-8"?>
+<file path=ppt/slides/slide16.xml><?xml version="1.0" encoding="utf-8"?>
 <p:sld xmlns:a="http://schemas.openxmlformats.org/drawingml/2006/main" xmlns:r="http://schemas.openxmlformats.org/officeDocument/2006/relationships" xmlns:p="http://schemas.openxmlformats.org/presentationml/2006/main">
   <p:cSld>
     <p:spTree>
@@ -5017,7 +4680,7 @@
           <a:p>
             <a:fld id="{B11D738E-8962-435F-8C43-147B8DD7E819}" type="datetime1">
               <a:rPr lang="en-US" smtClean="0"/>
-              <a:t>2/25/2020</a:t>
+              <a:t>3/3/2020</a:t>
             </a:fld>
             <a:endParaRPr lang="en-US"/>
           </a:p>
@@ -5039,10 +4702,9 @@
           <a:lstStyle/>
           <a:p>
             <a:r>
-              <a:rPr lang="en-US" smtClean="0"/>
+              <a:rPr lang="en-US"/>
               <a:t>Footer Text</a:t>
             </a:r>
-            <a:endParaRPr lang="en-US"/>
           </a:p>
         </p:txBody>
       </p:sp>
@@ -5064,7 +4726,7 @@
             <a:fld id="{BA9B540C-44DA-4F69-89C9-7C84606640D3}" type="slidenum">
               <a:rPr lang="en-US" smtClean="0"/>
               <a:pPr/>
-              <a:t>17</a:t>
+              <a:t>16</a:t>
             </a:fld>
             <a:endParaRPr lang="en-US"/>
           </a:p>
@@ -5136,17 +4798,10 @@
   <p:clrMapOvr>
     <a:masterClrMapping/>
   </p:clrMapOvr>
-  <p:timing>
-    <p:tnLst>
-      <p:par>
-        <p:cTn id="1" dur="indefinite" restart="never" nodeType="tmRoot"/>
-      </p:par>
-    </p:tnLst>
-  </p:timing>
 </p:sld>
 </file>
 
-<file path=ppt/slides/slide18.xml><?xml version="1.0" encoding="utf-8"?>
+<file path=ppt/slides/slide17.xml><?xml version="1.0" encoding="utf-8"?>
 <p:sld xmlns:a="http://schemas.openxmlformats.org/drawingml/2006/main" xmlns:r="http://schemas.openxmlformats.org/officeDocument/2006/relationships" xmlns:p="http://schemas.openxmlformats.org/presentationml/2006/main">
   <p:cSld>
     <p:spTree>
@@ -5199,7 +4854,7 @@
           <a:p>
             <a:fld id="{B11D738E-8962-435F-8C43-147B8DD7E819}" type="datetime1">
               <a:rPr lang="en-US" smtClean="0"/>
-              <a:t>2/25/2020</a:t>
+              <a:t>3/3/2020</a:t>
             </a:fld>
             <a:endParaRPr lang="en-US"/>
           </a:p>
@@ -5221,10 +4876,9 @@
           <a:lstStyle/>
           <a:p>
             <a:r>
-              <a:rPr lang="en-US" smtClean="0"/>
+              <a:rPr lang="en-US"/>
               <a:t>Footer Text</a:t>
             </a:r>
-            <a:endParaRPr lang="en-US"/>
           </a:p>
         </p:txBody>
       </p:sp>
@@ -5246,7 +4900,7 @@
             <a:fld id="{BA9B540C-44DA-4F69-89C9-7C84606640D3}" type="slidenum">
               <a:rPr lang="en-US" smtClean="0"/>
               <a:pPr/>
-              <a:t>18</a:t>
+              <a:t>17</a:t>
             </a:fld>
             <a:endParaRPr lang="en-US"/>
           </a:p>
@@ -5318,13 +4972,6 @@
   <p:clrMapOvr>
     <a:masterClrMapping/>
   </p:clrMapOvr>
-  <p:timing>
-    <p:tnLst>
-      <p:par>
-        <p:cTn id="1" dur="indefinite" restart="never" nodeType="tmRoot"/>
-      </p:par>
-    </p:tnLst>
-  </p:timing>
 </p:sld>
 </file>
 
@@ -5365,12 +5012,12 @@
           <a:bodyPr/>
           <a:lstStyle/>
           <a:p>
-            <a:endParaRPr lang="en-US" dirty="0" smtClean="0"/>
+            <a:endParaRPr lang="en-US" dirty="0"/>
           </a:p>
           <a:p>
             <a:r>
               <a:rPr lang="en-US" dirty="0"/>
-              <a:t> it is </a:t>
+              <a:t>It is an </a:t>
             </a:r>
             <a:r>
               <a:rPr lang="en-US" b="1" dirty="0"/>
@@ -5380,15 +5027,11 @@
               <a:rPr lang="en-US" dirty="0"/>
               <a:t> </a:t>
             </a:r>
-            <a:endParaRPr lang="en-US" dirty="0" smtClean="0"/>
-          </a:p>
-          <a:p>
-            <a:endParaRPr lang="en-US" dirty="0" smtClean="0"/>
-          </a:p>
-          <a:p>
-            <a:r>
-              <a:rPr lang="en-US" dirty="0" smtClean="0"/>
-              <a:t>Simple protocol with minimum overhead.</a:t>
+          </a:p>
+          <a:p>
+            <a:r>
+              <a:rPr lang="en-US" dirty="0"/>
+              <a:t>Simple protocol with minimum overhead. </a:t>
             </a:r>
           </a:p>
           <a:p>
@@ -5413,7 +5056,7 @@
           <a:p>
             <a:fld id="{B11D738E-8962-435F-8C43-147B8DD7E819}" type="datetime1">
               <a:rPr lang="en-US" smtClean="0"/>
-              <a:t>2/25/2020</a:t>
+              <a:t>3/3/2020</a:t>
             </a:fld>
             <a:endParaRPr lang="en-US"/>
           </a:p>
@@ -5435,10 +5078,9 @@
           <a:lstStyle/>
           <a:p>
             <a:r>
-              <a:rPr lang="en-US" smtClean="0"/>
+              <a:rPr lang="en-US"/>
               <a:t>Footer Text</a:t>
             </a:r>
-            <a:endParaRPr lang="en-US"/>
           </a:p>
         </p:txBody>
       </p:sp>
@@ -5476,13 +5118,6 @@
   <p:clrMapOvr>
     <a:masterClrMapping/>
   </p:clrMapOvr>
-  <p:timing>
-    <p:tnLst>
-      <p:par>
-        <p:cTn id="1" dur="indefinite" restart="never" nodeType="tmRoot"/>
-      </p:par>
-    </p:tnLst>
-  </p:timing>
 </p:sld>
 </file>
 
@@ -5545,7 +5180,7 @@
           <a:p>
             <a:fld id="{B11D738E-8962-435F-8C43-147B8DD7E819}" type="datetime1">
               <a:rPr lang="en-US" smtClean="0"/>
-              <a:t>2/25/2020</a:t>
+              <a:t>3/3/2020</a:t>
             </a:fld>
             <a:endParaRPr lang="en-US"/>
           </a:p>
@@ -5567,10 +5202,9 @@
           <a:lstStyle/>
           <a:p>
             <a:r>
-              <a:rPr lang="en-US" smtClean="0"/>
+              <a:rPr lang="en-US"/>
               <a:t>Footer Text</a:t>
             </a:r>
-            <a:endParaRPr lang="en-US"/>
           </a:p>
         </p:txBody>
       </p:sp>
@@ -5651,13 +5285,6 @@
   <p:clrMapOvr>
     <a:masterClrMapping/>
   </p:clrMapOvr>
-  <p:timing>
-    <p:tnLst>
-      <p:par>
-        <p:cTn id="1" dur="indefinite" restart="never" nodeType="tmRoot"/>
-      </p:par>
-    </p:tnLst>
-  </p:timing>
 </p:sld>
 </file>
 
@@ -5698,53 +5325,41 @@
           <a:bodyPr/>
           <a:lstStyle/>
           <a:p>
-            <a:pPr fontAlgn="base"/>
+            <a:pPr fontAlgn="base">
+              <a:spcBef>
+                <a:spcPts val="800"/>
+              </a:spcBef>
+            </a:pPr>
             <a:r>
               <a:rPr lang="en-US" b="1" dirty="0"/>
               <a:t>Source Port :</a:t>
             </a:r>
             <a:r>
               <a:rPr lang="en-US" dirty="0"/>
-              <a:t> Source Port is 2 Byte long field used to identify port number of source</a:t>
-            </a:r>
-            <a:r>
-              <a:rPr lang="en-US" dirty="0" smtClean="0"/>
-              <a:t>.</a:t>
-            </a:r>
-          </a:p>
-          <a:p>
-            <a:pPr fontAlgn="base"/>
-            <a:endParaRPr lang="en-US" dirty="0"/>
-          </a:p>
-          <a:p>
-            <a:pPr fontAlgn="base"/>
-            <a:endParaRPr lang="en-US" dirty="0"/>
-          </a:p>
-          <a:p>
-            <a:pPr fontAlgn="base"/>
+              <a:t> Source Port is 2 Byte long field used to identify port number of source.</a:t>
+            </a:r>
+          </a:p>
+          <a:p>
+            <a:pPr fontAlgn="base">
+              <a:spcBef>
+                <a:spcPts val="800"/>
+              </a:spcBef>
+            </a:pPr>
             <a:r>
               <a:rPr lang="en-US" b="1" dirty="0"/>
               <a:t>Destination Port :</a:t>
             </a:r>
             <a:r>
               <a:rPr lang="en-US" dirty="0"/>
-              <a:t> It is 2 Byte long field, used to identify the port of destined packet</a:t>
-            </a:r>
-            <a:r>
-              <a:rPr lang="en-US" dirty="0" smtClean="0"/>
-              <a:t>.</a:t>
-            </a:r>
-          </a:p>
-          <a:p>
-            <a:pPr fontAlgn="base"/>
-            <a:endParaRPr lang="en-US" dirty="0"/>
-          </a:p>
-          <a:p>
-            <a:pPr fontAlgn="base"/>
-            <a:endParaRPr lang="en-US" dirty="0"/>
-          </a:p>
-          <a:p>
-            <a:pPr fontAlgn="base"/>
+              <a:t> It is 2 Byte long field, used to identify the port of destined packet.</a:t>
+            </a:r>
+          </a:p>
+          <a:p>
+            <a:pPr fontAlgn="base">
+              <a:spcBef>
+                <a:spcPts val="800"/>
+              </a:spcBef>
+            </a:pPr>
             <a:r>
               <a:rPr lang="en-US" b="1" dirty="0"/>
               <a:t>Length :</a:t>
@@ -5755,7 +5370,29 @@
             </a:r>
           </a:p>
           <a:p>
-            <a:endParaRPr lang="en-US" dirty="0"/>
+            <a:pPr>
+              <a:spcBef>
+                <a:spcPts val="800"/>
+              </a:spcBef>
+            </a:pPr>
+            <a:r>
+              <a:rPr lang="en-US" b="1" dirty="0"/>
+              <a:t>Checksum : </a:t>
+            </a:r>
+          </a:p>
+          <a:p>
+            <a:pPr lvl="1"/>
+            <a:r>
+              <a:rPr lang="en-US" sz="2400" dirty="0"/>
+              <a:t>Checksum is 2 Bytes long field. </a:t>
+            </a:r>
+          </a:p>
+          <a:p>
+            <a:pPr lvl="1"/>
+            <a:r>
+              <a:rPr lang="en-US" sz="2400" dirty="0"/>
+              <a:t>It is the 16-bit one’s complement of the one’s complement sum of the UDP header, pseudo header of information from the IP header and the data, padded with zero octets at the end (if necessary) to make a multiple of two octets.</a:t>
+            </a:r>
           </a:p>
         </p:txBody>
       </p:sp>
@@ -5776,7 +5413,7 @@
           <a:p>
             <a:fld id="{B11D738E-8962-435F-8C43-147B8DD7E819}" type="datetime1">
               <a:rPr lang="en-US" smtClean="0"/>
-              <a:t>2/25/2020</a:t>
+              <a:t>3/3/2020</a:t>
             </a:fld>
             <a:endParaRPr lang="en-US"/>
           </a:p>
@@ -5798,10 +5435,9 @@
           <a:lstStyle/>
           <a:p>
             <a:r>
-              <a:rPr lang="en-US" smtClean="0"/>
+              <a:rPr lang="en-US"/>
               <a:t>Footer Text</a:t>
             </a:r>
-            <a:endParaRPr lang="en-US"/>
           </a:p>
         </p:txBody>
       </p:sp>
@@ -5839,13 +5475,6 @@
   <p:clrMapOvr>
     <a:masterClrMapping/>
   </p:clrMapOvr>
-  <p:timing>
-    <p:tnLst>
-      <p:par>
-        <p:cTn id="1" dur="indefinite" restart="never" nodeType="tmRoot"/>
-      </p:par>
-    </p:tnLst>
-  </p:timing>
 </p:sld>
 </file>
 
@@ -5887,63 +5516,6 @@
       </p:sp>
       <p:sp>
         <p:nvSpPr>
-          <p:cNvPr id="3" name="Content Placeholder 2"/>
-          <p:cNvSpPr>
-            <a:spLocks noGrp="1"/>
-          </p:cNvSpPr>
-          <p:nvPr>
-            <p:ph idx="1"/>
-          </p:nvPr>
-        </p:nvSpPr>
-        <p:spPr/>
-        <p:txBody>
-          <a:bodyPr/>
-          <a:lstStyle/>
-          <a:p>
-            <a:r>
-              <a:rPr lang="en-US" sz="2800" b="1" dirty="0"/>
-              <a:t>Checksum :</a:t>
-            </a:r>
-            <a:r>
-              <a:rPr lang="en-US" dirty="0"/>
-              <a:t> </a:t>
-            </a:r>
-            <a:endParaRPr lang="en-US" dirty="0" smtClean="0"/>
-          </a:p>
-          <a:p>
-            <a:pPr lvl="1"/>
-            <a:r>
-              <a:rPr lang="en-US" sz="2400" dirty="0" smtClean="0"/>
-              <a:t>Checksum </a:t>
-            </a:r>
-            <a:r>
-              <a:rPr lang="en-US" sz="2400" dirty="0"/>
-              <a:t>is 2 Bytes long field. </a:t>
-            </a:r>
-            <a:endParaRPr lang="en-US" sz="2400" dirty="0" smtClean="0"/>
-          </a:p>
-          <a:p>
-            <a:pPr lvl="1"/>
-            <a:r>
-              <a:rPr lang="en-US" sz="2400" dirty="0" smtClean="0"/>
-              <a:t>It </a:t>
-            </a:r>
-            <a:r>
-              <a:rPr lang="en-US" sz="2400" dirty="0"/>
-              <a:t>is the 16-bit one’s complement of the one’s complement sum of the UDP header, pseudo header of information from the IP header and the data, padded with zero octets at the end (if necessary) to make a multiple of two octets</a:t>
-            </a:r>
-            <a:r>
-              <a:rPr lang="en-US" sz="2400" dirty="0" smtClean="0"/>
-              <a:t>.</a:t>
-            </a:r>
-          </a:p>
-          <a:p>
-            <a:endParaRPr lang="en-US" dirty="0"/>
-          </a:p>
-        </p:txBody>
-      </p:sp>
-      <p:sp>
-        <p:nvSpPr>
           <p:cNvPr id="4" name="Date Placeholder 3"/>
           <p:cNvSpPr>
             <a:spLocks noGrp="1"/>
@@ -5959,7 +5531,7 @@
           <a:p>
             <a:fld id="{B11D738E-8962-435F-8C43-147B8DD7E819}" type="datetime1">
               <a:rPr lang="en-US" smtClean="0"/>
-              <a:t>2/25/2020</a:t>
+              <a:t>3/3/2020</a:t>
             </a:fld>
             <a:endParaRPr lang="en-US"/>
           </a:p>
@@ -5981,10 +5553,9 @@
           <a:lstStyle/>
           <a:p>
             <a:r>
-              <a:rPr lang="en-US" smtClean="0"/>
+              <a:rPr lang="en-US"/>
               <a:t>Footer Text</a:t>
             </a:r>
-            <a:endParaRPr lang="en-US"/>
           </a:p>
         </p:txBody>
       </p:sp>
@@ -6007,132 +5578,6 @@
               <a:rPr lang="en-US" smtClean="0"/>
               <a:pPr/>
               <a:t>5</a:t>
-            </a:fld>
-            <a:endParaRPr lang="en-US"/>
-          </a:p>
-        </p:txBody>
-      </p:sp>
-    </p:spTree>
-    <p:extLst>
-      <p:ext uri="{BB962C8B-B14F-4D97-AF65-F5344CB8AC3E}">
-        <p14:creationId xmlns:p14="http://schemas.microsoft.com/office/powerpoint/2010/main" val="1105261768"/>
-      </p:ext>
-    </p:extLst>
-  </p:cSld>
-  <p:clrMapOvr>
-    <a:masterClrMapping/>
-  </p:clrMapOvr>
-  <p:timing>
-    <p:tnLst>
-      <p:par>
-        <p:cTn id="1" dur="indefinite" restart="never" nodeType="tmRoot"/>
-      </p:par>
-    </p:tnLst>
-  </p:timing>
-</p:sld>
-</file>
-
-<file path=ppt/slides/slide6.xml><?xml version="1.0" encoding="utf-8"?>
-<p:sld xmlns:a="http://schemas.openxmlformats.org/drawingml/2006/main" xmlns:r="http://schemas.openxmlformats.org/officeDocument/2006/relationships" xmlns:p="http://schemas.openxmlformats.org/presentationml/2006/main">
-  <p:cSld>
-    <p:spTree>
-      <p:nvGrpSpPr>
-        <p:cNvPr id="1" name=""/>
-        <p:cNvGrpSpPr/>
-        <p:nvPr/>
-      </p:nvGrpSpPr>
-      <p:grpSpPr>
-        <a:xfrm>
-          <a:off x="0" y="0"/>
-          <a:ext cx="0" cy="0"/>
-          <a:chOff x="0" y="0"/>
-          <a:chExt cx="0" cy="0"/>
-        </a:xfrm>
-      </p:grpSpPr>
-      <p:sp>
-        <p:nvSpPr>
-          <p:cNvPr id="2" name="Title 1"/>
-          <p:cNvSpPr>
-            <a:spLocks noGrp="1"/>
-          </p:cNvSpPr>
-          <p:nvPr>
-            <p:ph type="title"/>
-          </p:nvPr>
-        </p:nvSpPr>
-        <p:spPr/>
-        <p:txBody>
-          <a:bodyPr/>
-          <a:lstStyle/>
-          <a:p>
-            <a:endParaRPr lang="en-US"/>
-          </a:p>
-        </p:txBody>
-      </p:sp>
-      <p:sp>
-        <p:nvSpPr>
-          <p:cNvPr id="4" name="Date Placeholder 3"/>
-          <p:cNvSpPr>
-            <a:spLocks noGrp="1"/>
-          </p:cNvSpPr>
-          <p:nvPr>
-            <p:ph type="dt" sz="half" idx="10"/>
-          </p:nvPr>
-        </p:nvSpPr>
-        <p:spPr/>
-        <p:txBody>
-          <a:bodyPr/>
-          <a:lstStyle/>
-          <a:p>
-            <a:fld id="{B11D738E-8962-435F-8C43-147B8DD7E819}" type="datetime1">
-              <a:rPr lang="en-US" smtClean="0"/>
-              <a:t>2/25/2020</a:t>
-            </a:fld>
-            <a:endParaRPr lang="en-US"/>
-          </a:p>
-        </p:txBody>
-      </p:sp>
-      <p:sp>
-        <p:nvSpPr>
-          <p:cNvPr id="5" name="Footer Placeholder 4"/>
-          <p:cNvSpPr>
-            <a:spLocks noGrp="1"/>
-          </p:cNvSpPr>
-          <p:nvPr>
-            <p:ph type="ftr" sz="quarter" idx="11"/>
-          </p:nvPr>
-        </p:nvSpPr>
-        <p:spPr/>
-        <p:txBody>
-          <a:bodyPr/>
-          <a:lstStyle/>
-          <a:p>
-            <a:r>
-              <a:rPr lang="en-US" smtClean="0"/>
-              <a:t>Footer Text</a:t>
-            </a:r>
-            <a:endParaRPr lang="en-US"/>
-          </a:p>
-        </p:txBody>
-      </p:sp>
-      <p:sp>
-        <p:nvSpPr>
-          <p:cNvPr id="6" name="Slide Number Placeholder 5"/>
-          <p:cNvSpPr>
-            <a:spLocks noGrp="1"/>
-          </p:cNvSpPr>
-          <p:nvPr>
-            <p:ph type="sldNum" sz="quarter" idx="12"/>
-          </p:nvPr>
-        </p:nvSpPr>
-        <p:spPr/>
-        <p:txBody>
-          <a:bodyPr/>
-          <a:lstStyle/>
-          <a:p>
-            <a:fld id="{BA9B540C-44DA-4F69-89C9-7C84606640D3}" type="slidenum">
-              <a:rPr lang="en-US" smtClean="0"/>
-              <a:pPr/>
-              <a:t>6</a:t>
             </a:fld>
             <a:endParaRPr lang="en-US"/>
           </a:p>
@@ -6243,13 +5688,228 @@
   <p:clrMapOvr>
     <a:masterClrMapping/>
   </p:clrMapOvr>
-  <p:timing>
-    <p:tnLst>
-      <p:par>
-        <p:cTn id="1" dur="indefinite" restart="never" nodeType="tmRoot"/>
-      </p:par>
-    </p:tnLst>
-  </p:timing>
+</p:sld>
+</file>
+
+<file path=ppt/slides/slide6.xml><?xml version="1.0" encoding="utf-8"?>
+<p:sld xmlns:a="http://schemas.openxmlformats.org/drawingml/2006/main" xmlns:r="http://schemas.openxmlformats.org/officeDocument/2006/relationships" xmlns:p="http://schemas.openxmlformats.org/presentationml/2006/main">
+  <p:cSld>
+    <p:spTree>
+      <p:nvGrpSpPr>
+        <p:cNvPr id="1" name=""/>
+        <p:cNvGrpSpPr/>
+        <p:nvPr/>
+      </p:nvGrpSpPr>
+      <p:grpSpPr>
+        <a:xfrm>
+          <a:off x="0" y="0"/>
+          <a:ext cx="0" cy="0"/>
+          <a:chOff x="0" y="0"/>
+          <a:chExt cx="0" cy="0"/>
+        </a:xfrm>
+      </p:grpSpPr>
+      <p:sp>
+        <p:nvSpPr>
+          <p:cNvPr id="2" name="Title 1"/>
+          <p:cNvSpPr>
+            <a:spLocks noGrp="1"/>
+          </p:cNvSpPr>
+          <p:nvPr>
+            <p:ph type="title"/>
+          </p:nvPr>
+        </p:nvSpPr>
+        <p:spPr>
+          <a:xfrm>
+            <a:off x="0" y="136525"/>
+            <a:ext cx="9144000" cy="990600"/>
+          </a:xfrm>
+        </p:spPr>
+        <p:txBody>
+          <a:bodyPr/>
+          <a:lstStyle/>
+          <a:p>
+            <a:r>
+              <a:rPr lang="en-US" dirty="0"/>
+              <a:t>Uses of UDP</a:t>
+            </a:r>
+          </a:p>
+        </p:txBody>
+      </p:sp>
+      <p:sp>
+        <p:nvSpPr>
+          <p:cNvPr id="3" name="Content Placeholder 2"/>
+          <p:cNvSpPr>
+            <a:spLocks noGrp="1"/>
+          </p:cNvSpPr>
+          <p:nvPr>
+            <p:ph idx="1"/>
+          </p:nvPr>
+        </p:nvSpPr>
+        <p:spPr>
+          <a:xfrm>
+            <a:off x="0" y="1349406"/>
+            <a:ext cx="9144000" cy="4746594"/>
+          </a:xfrm>
+        </p:spPr>
+        <p:txBody>
+          <a:bodyPr>
+            <a:normAutofit/>
+          </a:bodyPr>
+          <a:lstStyle/>
+          <a:p>
+            <a:pPr fontAlgn="base">
+              <a:spcBef>
+                <a:spcPts val="600"/>
+              </a:spcBef>
+            </a:pPr>
+            <a:r>
+              <a:rPr lang="en-US" dirty="0"/>
+              <a:t>Used for simple </a:t>
+            </a:r>
+            <a:r>
+              <a:rPr lang="en-US" b="1" dirty="0"/>
+              <a:t>request response communication</a:t>
+            </a:r>
+            <a:r>
+              <a:rPr lang="en-US" dirty="0"/>
+              <a:t> when size of data is less and hence there is lesser concern about flow and error control. </a:t>
+            </a:r>
+          </a:p>
+          <a:p>
+            <a:pPr fontAlgn="base">
+              <a:spcBef>
+                <a:spcPts val="600"/>
+              </a:spcBef>
+            </a:pPr>
+            <a:r>
+              <a:rPr lang="en-US" dirty="0"/>
+              <a:t>It is suitable protocol for </a:t>
+            </a:r>
+            <a:r>
+              <a:rPr lang="en-US" b="1" dirty="0"/>
+              <a:t>multicasting. </a:t>
+            </a:r>
+            <a:endParaRPr lang="en-US" dirty="0"/>
+          </a:p>
+          <a:p>
+            <a:pPr fontAlgn="base">
+              <a:spcBef>
+                <a:spcPts val="600"/>
+              </a:spcBef>
+            </a:pPr>
+            <a:r>
+              <a:rPr lang="en-US" dirty="0"/>
+              <a:t>UDP is used for some </a:t>
+            </a:r>
+            <a:r>
+              <a:rPr lang="en-US" b="1" dirty="0"/>
+              <a:t>routing update protocols </a:t>
+            </a:r>
+            <a:r>
+              <a:rPr lang="en-US" dirty="0"/>
+              <a:t>like RIP (Routing Information Protocol). </a:t>
+            </a:r>
+          </a:p>
+          <a:p>
+            <a:pPr fontAlgn="base">
+              <a:spcBef>
+                <a:spcPts val="600"/>
+              </a:spcBef>
+            </a:pPr>
+            <a:r>
+              <a:rPr lang="en-US" dirty="0"/>
+              <a:t>Normally used for </a:t>
+            </a:r>
+            <a:r>
+              <a:rPr lang="en-US" b="1" dirty="0"/>
+              <a:t>real time applications</a:t>
+            </a:r>
+            <a:r>
+              <a:rPr lang="en-US" dirty="0"/>
+              <a:t> which can not tolerate uneven delays between sections of a received message. </a:t>
+            </a:r>
+          </a:p>
+        </p:txBody>
+      </p:sp>
+      <p:sp>
+        <p:nvSpPr>
+          <p:cNvPr id="4" name="Date Placeholder 3"/>
+          <p:cNvSpPr>
+            <a:spLocks noGrp="1"/>
+          </p:cNvSpPr>
+          <p:nvPr>
+            <p:ph type="dt" sz="half" idx="10"/>
+          </p:nvPr>
+        </p:nvSpPr>
+        <p:spPr/>
+        <p:txBody>
+          <a:bodyPr/>
+          <a:lstStyle/>
+          <a:p>
+            <a:fld id="{B11D738E-8962-435F-8C43-147B8DD7E819}" type="datetime1">
+              <a:rPr lang="en-US" smtClean="0"/>
+              <a:t>3/3/2020</a:t>
+            </a:fld>
+            <a:endParaRPr lang="en-US"/>
+          </a:p>
+        </p:txBody>
+      </p:sp>
+      <p:sp>
+        <p:nvSpPr>
+          <p:cNvPr id="5" name="Footer Placeholder 4"/>
+          <p:cNvSpPr>
+            <a:spLocks noGrp="1"/>
+          </p:cNvSpPr>
+          <p:nvPr>
+            <p:ph type="ftr" sz="quarter" idx="11"/>
+          </p:nvPr>
+        </p:nvSpPr>
+        <p:spPr/>
+        <p:txBody>
+          <a:bodyPr/>
+          <a:lstStyle/>
+          <a:p>
+            <a:r>
+              <a:rPr lang="en-US"/>
+              <a:t>Footer Text</a:t>
+            </a:r>
+          </a:p>
+        </p:txBody>
+      </p:sp>
+      <p:sp>
+        <p:nvSpPr>
+          <p:cNvPr id="6" name="Slide Number Placeholder 5"/>
+          <p:cNvSpPr>
+            <a:spLocks noGrp="1"/>
+          </p:cNvSpPr>
+          <p:nvPr>
+            <p:ph type="sldNum" sz="quarter" idx="12"/>
+          </p:nvPr>
+        </p:nvSpPr>
+        <p:spPr/>
+        <p:txBody>
+          <a:bodyPr/>
+          <a:lstStyle/>
+          <a:p>
+            <a:fld id="{BA9B540C-44DA-4F69-89C9-7C84606640D3}" type="slidenum">
+              <a:rPr lang="en-US" smtClean="0"/>
+              <a:pPr/>
+              <a:t>6</a:t>
+            </a:fld>
+            <a:endParaRPr lang="en-US"/>
+          </a:p>
+        </p:txBody>
+      </p:sp>
+    </p:spTree>
+    <p:extLst>
+      <p:ext uri="{BB962C8B-B14F-4D97-AF65-F5344CB8AC3E}">
+        <p14:creationId xmlns:p14="http://schemas.microsoft.com/office/powerpoint/2010/main" val="2985742881"/>
+      </p:ext>
+    </p:extLst>
+  </p:cSld>
+  <p:clrMapOvr>
+    <a:masterClrMapping/>
+  </p:clrMapOvr>
 </p:sld>
 </file>
 
@@ -6272,128 +5932,117 @@
       </p:grpSpPr>
       <p:sp>
         <p:nvSpPr>
-          <p:cNvPr id="2" name="Title 1"/>
-          <p:cNvSpPr>
-            <a:spLocks noGrp="1"/>
-          </p:cNvSpPr>
-          <p:nvPr>
-            <p:ph type="title"/>
+          <p:cNvPr id="3" name="Content Placeholder 2"/>
+          <p:cNvSpPr>
+            <a:spLocks noGrp="1"/>
+          </p:cNvSpPr>
+          <p:nvPr>
+            <p:ph idx="1"/>
           </p:nvPr>
         </p:nvSpPr>
         <p:spPr>
           <a:xfrm>
-            <a:off x="0" y="0"/>
-            <a:ext cx="9144000" cy="990600"/>
+            <a:off x="0" y="304800"/>
+            <a:ext cx="9144000" cy="6553200"/>
           </a:xfrm>
         </p:spPr>
         <p:txBody>
           <a:bodyPr/>
           <a:lstStyle/>
           <a:p>
-            <a:r>
-              <a:rPr lang="en-US" dirty="0" smtClean="0"/>
-              <a:t>Use of UDP</a:t>
-            </a:r>
-            <a:endParaRPr lang="en-US" dirty="0"/>
-          </a:p>
-        </p:txBody>
-      </p:sp>
-      <p:sp>
-        <p:nvSpPr>
-          <p:cNvPr id="3" name="Content Placeholder 2"/>
-          <p:cNvSpPr>
-            <a:spLocks noGrp="1"/>
-          </p:cNvSpPr>
-          <p:nvPr>
-            <p:ph idx="1"/>
-          </p:nvPr>
-        </p:nvSpPr>
-        <p:spPr>
-          <a:xfrm>
-            <a:off x="0" y="1143000"/>
-            <a:ext cx="9144000" cy="5715000"/>
-          </a:xfrm>
-        </p:spPr>
-        <p:txBody>
-          <a:bodyPr>
-            <a:normAutofit/>
-          </a:bodyPr>
-          <a:lstStyle/>
-          <a:p>
             <a:pPr fontAlgn="base"/>
             <a:r>
               <a:rPr lang="en-US" dirty="0"/>
-              <a:t>Used for simple request response communication when size of data is less and hence there is lesser concern about flow and error control</a:t>
-            </a:r>
-            <a:r>
-              <a:rPr lang="en-US" dirty="0" smtClean="0"/>
-              <a:t>.</a:t>
-            </a:r>
-          </a:p>
-          <a:p>
-            <a:pPr fontAlgn="base"/>
-            <a:endParaRPr lang="en-US" dirty="0"/>
-          </a:p>
-          <a:p>
-            <a:pPr fontAlgn="base"/>
+              <a:t>Following implementations uses UDP as a transport layer protocol:</a:t>
+            </a:r>
+          </a:p>
+          <a:p>
+            <a:pPr lvl="1" fontAlgn="base"/>
+            <a:r>
+              <a:rPr lang="en-US" sz="1800" dirty="0"/>
+              <a:t>NTP (Network Time Protocol). </a:t>
+            </a:r>
+          </a:p>
+          <a:p>
+            <a:pPr lvl="1" fontAlgn="base"/>
+            <a:r>
+              <a:rPr lang="en-US" sz="1800" dirty="0"/>
+              <a:t>DNS (Domain Name Service). </a:t>
+            </a:r>
+          </a:p>
+          <a:p>
+            <a:pPr lvl="1" fontAlgn="base"/>
+            <a:r>
+              <a:rPr lang="en-US" sz="1800" dirty="0"/>
+              <a:t>BOOTP, DHCP.</a:t>
+            </a:r>
+          </a:p>
+          <a:p>
+            <a:pPr lvl="1" fontAlgn="base"/>
+            <a:r>
+              <a:rPr lang="en-US" sz="1800" dirty="0"/>
+              <a:t>NNP (Network News Protocol). </a:t>
+            </a:r>
+          </a:p>
+          <a:p>
+            <a:pPr lvl="1" fontAlgn="base"/>
+            <a:r>
+              <a:rPr lang="en-US" sz="1800" dirty="0"/>
+              <a:t>Quote of the day protocol. </a:t>
+            </a:r>
+          </a:p>
+          <a:p>
+            <a:pPr lvl="1" fontAlgn="base"/>
+            <a:r>
+              <a:rPr lang="en-US" sz="1800" dirty="0"/>
+              <a:t>TFTP, RTSP, RIP, OSPF. </a:t>
+            </a:r>
+          </a:p>
+          <a:p>
+            <a:pPr marL="457200" lvl="1" indent="0" fontAlgn="base">
+              <a:buNone/>
+            </a:pPr>
+            <a:endParaRPr lang="en-US" sz="1800" dirty="0"/>
+          </a:p>
+          <a:p>
+            <a:pPr fontAlgn="base">
+              <a:buFont typeface="Wingdings" panose="05000000000000000000" pitchFamily="2" charset="2"/>
+              <a:buChar char="ü"/>
+            </a:pPr>
             <a:r>
               <a:rPr lang="en-US" dirty="0"/>
-              <a:t>It is suitable protocol for multicasting </a:t>
-            </a:r>
-            <a:r>
-              <a:rPr lang="en-US" dirty="0" smtClean="0"/>
-              <a:t>;</a:t>
-            </a:r>
-          </a:p>
-          <a:p>
-            <a:pPr fontAlgn="base"/>
-            <a:endParaRPr lang="en-US" dirty="0"/>
-          </a:p>
-          <a:p>
-            <a:pPr fontAlgn="base"/>
-            <a:r>
-              <a:rPr lang="en-US" dirty="0"/>
-              <a:t>UDP is used for some routing update protocols like RIP(Routing Information Protocol</a:t>
-            </a:r>
-            <a:r>
-              <a:rPr lang="en-US" dirty="0" smtClean="0"/>
-              <a:t>).</a:t>
-            </a:r>
-          </a:p>
-          <a:p>
-            <a:pPr fontAlgn="base"/>
-            <a:endParaRPr lang="en-US" dirty="0"/>
-          </a:p>
-          <a:p>
-            <a:pPr fontAlgn="base"/>
-            <a:endParaRPr lang="en-US" dirty="0"/>
-          </a:p>
-          <a:p>
-            <a:pPr fontAlgn="base"/>
-            <a:r>
-              <a:rPr lang="en-US" dirty="0"/>
-              <a:t>Normally used for real time applications which can not tolerate uneven delays between sections of a received message</a:t>
-            </a:r>
-            <a:r>
-              <a:rPr lang="en-US" dirty="0" smtClean="0"/>
-              <a:t>.</a:t>
-            </a:r>
-          </a:p>
-          <a:p>
-            <a:pPr fontAlgn="base"/>
-            <a:endParaRPr lang="en-US" dirty="0"/>
-          </a:p>
-          <a:p>
-            <a:pPr fontAlgn="base"/>
-            <a:endParaRPr lang="en-US" dirty="0" smtClean="0"/>
-          </a:p>
-          <a:p>
-            <a:pPr fontAlgn="base"/>
-            <a:endParaRPr lang="en-US" dirty="0"/>
-          </a:p>
-          <a:p>
-            <a:pPr fontAlgn="base"/>
-            <a:endParaRPr lang="en-US" dirty="0"/>
+              <a:t>Application layer can do some of the tasks through UDP       </a:t>
+            </a:r>
+          </a:p>
+          <a:p>
+            <a:pPr lvl="1" fontAlgn="base">
+              <a:buFont typeface="Wingdings" panose="05000000000000000000" pitchFamily="2" charset="2"/>
+              <a:buChar char="ü"/>
+            </a:pPr>
+            <a:r>
+              <a:rPr lang="en-US" sz="1800" dirty="0"/>
+              <a:t>Trace Route</a:t>
+            </a:r>
+          </a:p>
+          <a:p>
+            <a:pPr lvl="1" fontAlgn="base">
+              <a:buFont typeface="Wingdings" panose="05000000000000000000" pitchFamily="2" charset="2"/>
+              <a:buChar char="ü"/>
+            </a:pPr>
+            <a:r>
+              <a:rPr lang="en-US" sz="1800" dirty="0"/>
+              <a:t>Record Route</a:t>
+            </a:r>
+          </a:p>
+          <a:p>
+            <a:pPr lvl="1" fontAlgn="base">
+              <a:buFont typeface="Wingdings" panose="05000000000000000000" pitchFamily="2" charset="2"/>
+              <a:buChar char="ü"/>
+            </a:pPr>
+            <a:r>
+              <a:rPr lang="en-US" sz="1800" dirty="0"/>
+              <a:t>Time stamp</a:t>
+            </a:r>
           </a:p>
         </p:txBody>
       </p:sp>
@@ -6414,7 +6063,7 @@
           <a:p>
             <a:fld id="{B11D738E-8962-435F-8C43-147B8DD7E819}" type="datetime1">
               <a:rPr lang="en-US" smtClean="0"/>
-              <a:t>2/25/2020</a:t>
+              <a:t>3/3/2020</a:t>
             </a:fld>
             <a:endParaRPr lang="en-US"/>
           </a:p>
@@ -6436,10 +6085,9 @@
           <a:lstStyle/>
           <a:p>
             <a:r>
-              <a:rPr lang="en-US" smtClean="0"/>
+              <a:rPr lang="en-US"/>
               <a:t>Footer Text</a:t>
             </a:r>
-            <a:endParaRPr lang="en-US"/>
           </a:p>
         </p:txBody>
       </p:sp>
@@ -6470,20 +6118,13 @@
     </p:spTree>
     <p:extLst>
       <p:ext uri="{BB962C8B-B14F-4D97-AF65-F5344CB8AC3E}">
-        <p14:creationId xmlns:p14="http://schemas.microsoft.com/office/powerpoint/2010/main" val="2985742881"/>
+        <p14:creationId xmlns:p14="http://schemas.microsoft.com/office/powerpoint/2010/main" val="3061832134"/>
       </p:ext>
     </p:extLst>
   </p:cSld>
   <p:clrMapOvr>
     <a:masterClrMapping/>
   </p:clrMapOvr>
-  <p:timing>
-    <p:tnLst>
-      <p:par>
-        <p:cTn id="1" dur="indefinite" restart="never" nodeType="tmRoot"/>
-      </p:par>
-    </p:tnLst>
-  </p:timing>
 </p:sld>
 </file>
 
@@ -6506,124 +6147,120 @@
       </p:grpSpPr>
       <p:sp>
         <p:nvSpPr>
-          <p:cNvPr id="3" name="Content Placeholder 2"/>
-          <p:cNvSpPr>
-            <a:spLocks noGrp="1"/>
-          </p:cNvSpPr>
-          <p:nvPr>
-            <p:ph idx="1"/>
+          <p:cNvPr id="2" name="Title 1"/>
+          <p:cNvSpPr>
+            <a:spLocks noGrp="1"/>
+          </p:cNvSpPr>
+          <p:nvPr>
+            <p:ph type="title"/>
           </p:nvPr>
         </p:nvSpPr>
         <p:spPr>
           <a:xfrm>
-            <a:off x="0" y="0"/>
-            <a:ext cx="9067800" cy="6858000"/>
+            <a:off x="457200" y="0"/>
+            <a:ext cx="8229600" cy="1143000"/>
           </a:xfrm>
         </p:spPr>
         <p:txBody>
           <a:bodyPr/>
           <a:lstStyle/>
           <a:p>
-            <a:pPr fontAlgn="base"/>
             <a:r>
               <a:rPr lang="en-US" dirty="0"/>
-              <a:t>Following implementations uses UDP as a transport layer protocol:</a:t>
-            </a:r>
-          </a:p>
-          <a:p>
-            <a:pPr lvl="1" fontAlgn="base"/>
-            <a:r>
-              <a:rPr lang="en-US" sz="1800" dirty="0"/>
-              <a:t>NTP (Network Time Protocol)</a:t>
-            </a:r>
-          </a:p>
-          <a:p>
-            <a:pPr lvl="1" fontAlgn="base"/>
-            <a:r>
-              <a:rPr lang="en-US" sz="1800" dirty="0"/>
-              <a:t>DNS (Domain Name Service)</a:t>
-            </a:r>
-          </a:p>
-          <a:p>
-            <a:pPr lvl="1" fontAlgn="base"/>
-            <a:r>
-              <a:rPr lang="en-US" sz="1800" dirty="0"/>
-              <a:t>BOOTP, DHCP.</a:t>
-            </a:r>
-          </a:p>
-          <a:p>
-            <a:pPr lvl="1" fontAlgn="base"/>
-            <a:r>
-              <a:rPr lang="en-US" sz="1800" dirty="0"/>
-              <a:t>NNP (Network News Protocol)</a:t>
-            </a:r>
-          </a:p>
-          <a:p>
-            <a:pPr lvl="1" fontAlgn="base"/>
-            <a:r>
-              <a:rPr lang="en-US" sz="1800" dirty="0"/>
-              <a:t>Quote of the day protocol</a:t>
-            </a:r>
-          </a:p>
-          <a:p>
-            <a:pPr lvl="1" fontAlgn="base"/>
-            <a:r>
-              <a:rPr lang="en-US" sz="1800" dirty="0"/>
-              <a:t>TFTP, RTSP, RIP, OSPF.</a:t>
-            </a:r>
-          </a:p>
-          <a:p>
-            <a:pPr fontAlgn="base">
-              <a:buFont typeface="Wingdings" panose="05000000000000000000" pitchFamily="2" charset="2"/>
-              <a:buChar char="ü"/>
+              <a:t>UDP operations</a:t>
+            </a:r>
+          </a:p>
+        </p:txBody>
+      </p:sp>
+      <p:sp>
+        <p:nvSpPr>
+          <p:cNvPr id="3" name="Content Placeholder 2"/>
+          <p:cNvSpPr>
+            <a:spLocks noGrp="1"/>
+          </p:cNvSpPr>
+          <p:nvPr>
+            <p:ph idx="1"/>
+          </p:nvPr>
+        </p:nvSpPr>
+        <p:spPr>
+          <a:xfrm>
+            <a:off x="0" y="1600200"/>
+            <a:ext cx="9144000" cy="5181600"/>
+          </a:xfrm>
+        </p:spPr>
+        <p:txBody>
+          <a:bodyPr/>
+          <a:lstStyle/>
+          <a:p>
+            <a:r>
+              <a:rPr lang="en-US" dirty="0"/>
+              <a:t>UDP uses concepts common to transport layer. </a:t>
+            </a:r>
+          </a:p>
+          <a:p>
+            <a:pPr marL="0" indent="0">
+              <a:buNone/>
             </a:pPr>
-            <a:r>
-              <a:rPr lang="en-US" dirty="0"/>
-              <a:t>Application layer can do some of the tasks through </a:t>
-            </a:r>
-            <a:r>
-              <a:rPr lang="en-US" dirty="0" smtClean="0"/>
-              <a:t>UDP       </a:t>
-            </a:r>
-          </a:p>
-          <a:p>
-            <a:pPr lvl="1" fontAlgn="base">
-              <a:buFont typeface="Wingdings" panose="05000000000000000000" pitchFamily="2" charset="2"/>
-              <a:buChar char="ü"/>
-            </a:pPr>
-            <a:r>
-              <a:rPr lang="en-US" dirty="0" smtClean="0"/>
-              <a:t>Trace </a:t>
-            </a:r>
-            <a:r>
-              <a:rPr lang="en-US" dirty="0"/>
-              <a:t>Route</a:t>
-            </a:r>
-          </a:p>
-          <a:p>
-            <a:pPr lvl="1" fontAlgn="base">
-              <a:buFont typeface="Wingdings" panose="05000000000000000000" pitchFamily="2" charset="2"/>
-              <a:buChar char="ü"/>
-            </a:pPr>
-            <a:r>
-              <a:rPr lang="en-US" dirty="0"/>
-              <a:t>Record Route</a:t>
-            </a:r>
-          </a:p>
-          <a:p>
-            <a:pPr lvl="1" fontAlgn="base">
-              <a:buFont typeface="Wingdings" panose="05000000000000000000" pitchFamily="2" charset="2"/>
-              <a:buChar char="ü"/>
-            </a:pPr>
-            <a:r>
-              <a:rPr lang="en-US" dirty="0"/>
-              <a:t>Time </a:t>
-            </a:r>
-            <a:r>
-              <a:rPr lang="en-US" dirty="0" smtClean="0"/>
-              <a:t>stamp</a:t>
-            </a:r>
             <a:endParaRPr lang="en-US" dirty="0"/>
+          </a:p>
+          <a:p>
+            <a:r>
+              <a:rPr lang="en-US" b="1" u="sng" dirty="0"/>
+              <a:t>Connectionless Services :</a:t>
+            </a:r>
+          </a:p>
+          <a:p>
+            <a:pPr lvl="1"/>
+            <a:r>
+              <a:rPr lang="en-US" sz="2200" dirty="0"/>
+              <a:t>Each user datagram sent by UDP is an </a:t>
+            </a:r>
+            <a:r>
+              <a:rPr lang="en-US" sz="2200" b="1" dirty="0"/>
+              <a:t>independent</a:t>
+            </a:r>
+            <a:r>
+              <a:rPr lang="en-US" sz="2200" dirty="0"/>
+              <a:t> datagram.</a:t>
+            </a:r>
+          </a:p>
+          <a:p>
+            <a:pPr lvl="1"/>
+            <a:r>
+              <a:rPr lang="en-US" sz="2200" dirty="0"/>
+              <a:t>The user datagram are </a:t>
+            </a:r>
+            <a:r>
+              <a:rPr lang="en-US" sz="2200" b="1" dirty="0"/>
+              <a:t>not numbered</a:t>
+            </a:r>
+            <a:r>
+              <a:rPr lang="en-US" sz="2200" dirty="0"/>
+              <a:t>.</a:t>
+            </a:r>
+          </a:p>
+          <a:p>
+            <a:pPr lvl="1"/>
+            <a:r>
+              <a:rPr lang="en-US" sz="2200" dirty="0"/>
+              <a:t>They can travel on a </a:t>
+            </a:r>
+            <a:r>
+              <a:rPr lang="en-US" sz="2200" b="1" dirty="0"/>
+              <a:t>different</a:t>
+            </a:r>
+            <a:r>
+              <a:rPr lang="en-US" sz="2200" dirty="0"/>
+              <a:t> </a:t>
+            </a:r>
+            <a:r>
+              <a:rPr lang="en-US" sz="2200" b="1" dirty="0"/>
+              <a:t>path</a:t>
+            </a:r>
+            <a:r>
+              <a:rPr lang="en-US" sz="2200" dirty="0"/>
+              <a:t>. </a:t>
+            </a:r>
           </a:p>
         </p:txBody>
       </p:sp>
@@ -6644,7 +6281,7 @@
           <a:p>
             <a:fld id="{B11D738E-8962-435F-8C43-147B8DD7E819}" type="datetime1">
               <a:rPr lang="en-US" smtClean="0"/>
-              <a:t>2/25/2020</a:t>
+              <a:t>3/3/2020</a:t>
             </a:fld>
             <a:endParaRPr lang="en-US"/>
           </a:p>
@@ -6666,10 +6303,9 @@
           <a:lstStyle/>
           <a:p>
             <a:r>
-              <a:rPr lang="en-US" smtClean="0"/>
+              <a:rPr lang="en-US"/>
               <a:t>Footer Text</a:t>
             </a:r>
-            <a:endParaRPr lang="en-US"/>
           </a:p>
         </p:txBody>
       </p:sp>
@@ -6700,20 +6336,13 @@
     </p:spTree>
     <p:extLst>
       <p:ext uri="{BB962C8B-B14F-4D97-AF65-F5344CB8AC3E}">
-        <p14:creationId xmlns:p14="http://schemas.microsoft.com/office/powerpoint/2010/main" val="3061832134"/>
+        <p14:creationId xmlns:p14="http://schemas.microsoft.com/office/powerpoint/2010/main" val="4093377656"/>
       </p:ext>
     </p:extLst>
   </p:cSld>
   <p:clrMapOvr>
     <a:masterClrMapping/>
   </p:clrMapOvr>
-  <p:timing>
-    <p:tnLst>
-      <p:par>
-        <p:cTn id="1" dur="indefinite" restart="never" nodeType="tmRoot"/>
-      </p:par>
-    </p:tnLst>
-  </p:timing>
 </p:sld>
 </file>
 
@@ -6736,29 +6365,6 @@
       </p:grpSpPr>
       <p:sp>
         <p:nvSpPr>
-          <p:cNvPr id="2" name="Title 1"/>
-          <p:cNvSpPr>
-            <a:spLocks noGrp="1"/>
-          </p:cNvSpPr>
-          <p:nvPr>
-            <p:ph type="title"/>
-          </p:nvPr>
-        </p:nvSpPr>
-        <p:spPr/>
-        <p:txBody>
-          <a:bodyPr/>
-          <a:lstStyle/>
-          <a:p>
-            <a:r>
-              <a:rPr lang="en-US" dirty="0" smtClean="0"/>
-              <a:t>UDP operations</a:t>
-            </a:r>
-            <a:endParaRPr lang="en-US" dirty="0"/>
-          </a:p>
-        </p:txBody>
-      </p:sp>
-      <p:sp>
-        <p:nvSpPr>
           <p:cNvPr id="3" name="Content Placeholder 2"/>
           <p:cNvSpPr>
             <a:spLocks noGrp="1"/>
@@ -6769,73 +6375,83 @@
         </p:nvSpPr>
         <p:spPr>
           <a:xfrm>
-            <a:off x="0" y="1600200"/>
-            <a:ext cx="9144000" cy="5181600"/>
+            <a:off x="0" y="136524"/>
+            <a:ext cx="9144000" cy="6721475"/>
           </a:xfrm>
         </p:spPr>
         <p:txBody>
           <a:bodyPr/>
           <a:lstStyle/>
           <a:p>
-            <a:r>
-              <a:rPr lang="en-US" dirty="0" err="1" smtClean="0"/>
-              <a:t>Udp</a:t>
-            </a:r>
-            <a:r>
-              <a:rPr lang="en-US" dirty="0" smtClean="0"/>
-              <a:t> uses concepts common to transport layer</a:t>
-            </a:r>
-          </a:p>
-          <a:p>
-            <a:r>
-              <a:rPr lang="en-US" b="1" u="sng" dirty="0" smtClean="0"/>
-              <a:t>Connectionless Services :</a:t>
+            <a:endParaRPr lang="en-US" dirty="0"/>
+          </a:p>
+          <a:p>
+            <a:r>
+              <a:rPr lang="en-US" b="1" u="sng" dirty="0"/>
+              <a:t>Flow control and error control</a:t>
             </a:r>
           </a:p>
           <a:p>
             <a:pPr lvl="1"/>
             <a:r>
-              <a:rPr lang="en-US" sz="1800" i="1" dirty="0" smtClean="0"/>
-              <a:t>Each user datagram sent by </a:t>
-            </a:r>
-            <a:r>
-              <a:rPr lang="en-US" sz="1800" i="1" dirty="0" err="1" smtClean="0"/>
-              <a:t>udp</a:t>
-            </a:r>
-            <a:r>
-              <a:rPr lang="en-US" sz="1800" i="1" dirty="0" smtClean="0"/>
-              <a:t> is an independent datagram.</a:t>
+              <a:rPr lang="en-US" sz="2000" dirty="0"/>
+              <a:t>No flow control hence no window mechanism.</a:t>
             </a:r>
           </a:p>
           <a:p>
             <a:pPr lvl="1"/>
-            <a:endParaRPr lang="en-US" sz="1800" i="1" dirty="0"/>
+            <a:r>
+              <a:rPr lang="en-US" sz="2000" dirty="0"/>
+              <a:t>No error control mechanism except for the checksum.</a:t>
+            </a:r>
           </a:p>
           <a:p>
             <a:pPr lvl="1"/>
             <a:r>
-              <a:rPr lang="en-US" sz="1800" i="1" dirty="0" smtClean="0"/>
-              <a:t>The user datagram are not numbered.</a:t>
+              <a:rPr lang="en-US" sz="2000" dirty="0"/>
+              <a:t>Sender doesn’t know if a message has been lost or damaged or duplicated.</a:t>
             </a:r>
           </a:p>
           <a:p>
             <a:pPr lvl="1"/>
-            <a:endParaRPr lang="en-US" sz="1800" i="1" dirty="0"/>
+            <a:r>
+              <a:rPr lang="en-US" sz="2000" dirty="0"/>
+              <a:t>When receiver detects an error through the checksum, the datagram is discarded.</a:t>
+            </a:r>
           </a:p>
           <a:p>
             <a:pPr lvl="1"/>
-            <a:r>
-              <a:rPr lang="en-US" sz="1800" i="1" dirty="0" smtClean="0"/>
-              <a:t>They can travel  on a different path</a:t>
-            </a:r>
+            <a:endParaRPr lang="en-US" sz="2000" i="1" dirty="0"/>
           </a:p>
           <a:p>
             <a:pPr lvl="1"/>
-            <a:endParaRPr lang="en-US" sz="1800" i="1" dirty="0"/>
+            <a:endParaRPr lang="en-US" sz="2000" i="1" dirty="0"/>
           </a:p>
           <a:p>
             <a:pPr lvl="1"/>
-            <a:endParaRPr lang="en-US" sz="1800" i="1" dirty="0" smtClean="0"/>
+            <a:endParaRPr lang="en-US" i="1" dirty="0"/>
+          </a:p>
+          <a:p>
+            <a:r>
+              <a:rPr lang="en-US" b="1" u="sng" dirty="0"/>
+              <a:t>Encapsulation and Decapsulation </a:t>
+            </a:r>
+            <a:endParaRPr lang="en-US" sz="2400" b="1" u="sng" dirty="0"/>
+          </a:p>
+          <a:p>
+            <a:pPr lvl="1"/>
+            <a:r>
+              <a:rPr lang="en-US" sz="2000" dirty="0"/>
+              <a:t>To send a message from one process to another, UDP protocol encapsulates and decapsulates messages in an IP datagram</a:t>
+            </a:r>
+            <a:r>
+              <a:rPr lang="en-US" dirty="0"/>
+              <a:t>.</a:t>
+            </a:r>
+            <a:r>
+              <a:rPr lang="en-US" u="sng" dirty="0"/>
+              <a:t> </a:t>
+            </a:r>
           </a:p>
         </p:txBody>
       </p:sp>
@@ -6856,7 +6472,7 @@
           <a:p>
             <a:fld id="{B11D738E-8962-435F-8C43-147B8DD7E819}" type="datetime1">
               <a:rPr lang="en-US" smtClean="0"/>
-              <a:t>2/25/2020</a:t>
+              <a:t>3/3/2020</a:t>
             </a:fld>
             <a:endParaRPr lang="en-US"/>
           </a:p>
@@ -6878,10 +6494,9 @@
           <a:lstStyle/>
           <a:p>
             <a:r>
-              <a:rPr lang="en-US" smtClean="0"/>
+              <a:rPr lang="en-US"/>
               <a:t>Footer Text</a:t>
             </a:r>
-            <a:endParaRPr lang="en-US"/>
           </a:p>
         </p:txBody>
       </p:sp>
@@ -6912,20 +6527,13 @@
     </p:spTree>
     <p:extLst>
       <p:ext uri="{BB962C8B-B14F-4D97-AF65-F5344CB8AC3E}">
-        <p14:creationId xmlns:p14="http://schemas.microsoft.com/office/powerpoint/2010/main" val="4093377656"/>
+        <p14:creationId xmlns:p14="http://schemas.microsoft.com/office/powerpoint/2010/main" val="311222020"/>
       </p:ext>
     </p:extLst>
   </p:cSld>
   <p:clrMapOvr>
     <a:masterClrMapping/>
   </p:clrMapOvr>
-  <p:timing>
-    <p:tnLst>
-      <p:par>
-        <p:cTn id="1" dur="indefinite" restart="never" nodeType="tmRoot"/>
-      </p:par>
-    </p:tnLst>
-  </p:timing>
 </p:sld>
 </file>
 
